--- a/PLPTH813Bioinformatis/2023/labs/lab06_variants.pptx
+++ b/PLPTH813Bioinformatis/2023/labs/lab06_variants.pptx
@@ -5,7 +5,7 @@
     <p:sldMasterId id="2147483648" r:id="rId1"/>
   </p:sldMasterIdLst>
   <p:notesMasterIdLst>
-    <p:notesMasterId r:id="rId18"/>
+    <p:notesMasterId r:id="rId17"/>
   </p:notesMasterIdLst>
   <p:sldIdLst>
     <p:sldId id="256" r:id="rId2"/>
@@ -16,14 +16,13 @@
     <p:sldId id="291" r:id="rId7"/>
     <p:sldId id="292" r:id="rId8"/>
     <p:sldId id="301" r:id="rId9"/>
-    <p:sldId id="314" r:id="rId10"/>
-    <p:sldId id="313" r:id="rId11"/>
-    <p:sldId id="302" r:id="rId12"/>
-    <p:sldId id="304" r:id="rId13"/>
-    <p:sldId id="311" r:id="rId14"/>
-    <p:sldId id="312" r:id="rId15"/>
-    <p:sldId id="305" r:id="rId16"/>
-    <p:sldId id="315" r:id="rId17"/>
+    <p:sldId id="313" r:id="rId10"/>
+    <p:sldId id="302" r:id="rId11"/>
+    <p:sldId id="304" r:id="rId12"/>
+    <p:sldId id="311" r:id="rId13"/>
+    <p:sldId id="312" r:id="rId14"/>
+    <p:sldId id="305" r:id="rId15"/>
+    <p:sldId id="315" r:id="rId16"/>
   </p:sldIdLst>
   <p:sldSz cx="9144000" cy="6858000" type="screen4x3"/>
   <p:notesSz cx="6858000" cy="9144000"/>
@@ -223,7 +222,7 @@
           <a:p>
             <a:fld id="{08E6E0A8-E17C-C949-B17E-7A1A6494483A}" type="datetimeFigureOut">
               <a:rPr lang="en-US" smtClean="0"/>
-              <a:t>3/20/23</a:t>
+              <a:t>3/22/23</a:t>
             </a:fld>
             <a:endParaRPr lang="en-US"/>
           </a:p>
@@ -645,7 +644,7 @@
           <a:p>
             <a:fld id="{DC2B8C24-ACAE-AE41-B565-178ED93271F0}" type="slidenum">
               <a:rPr lang="en-US" smtClean="0"/>
-              <a:t>11</a:t>
+              <a:t>10</a:t>
             </a:fld>
             <a:endParaRPr lang="en-US"/>
           </a:p>
@@ -924,7 +923,7 @@
           <a:p>
             <a:fld id="{DC2B8C24-ACAE-AE41-B565-178ED93271F0}" type="slidenum">
               <a:rPr lang="en-US" smtClean="0"/>
-              <a:t>12</a:t>
+              <a:t>11</a:t>
             </a:fld>
             <a:endParaRPr lang="en-US"/>
           </a:p>
@@ -1008,7 +1007,7 @@
           <a:p>
             <a:fld id="{DC2B8C24-ACAE-AE41-B565-178ED93271F0}" type="slidenum">
               <a:rPr lang="en-US" smtClean="0"/>
-              <a:t>13</a:t>
+              <a:t>12</a:t>
             </a:fld>
             <a:endParaRPr lang="en-US"/>
           </a:p>
@@ -1092,7 +1091,7 @@
           <a:p>
             <a:fld id="{DC2B8C24-ACAE-AE41-B565-178ED93271F0}" type="slidenum">
               <a:rPr lang="en-US" smtClean="0"/>
-              <a:t>14</a:t>
+              <a:t>13</a:t>
             </a:fld>
             <a:endParaRPr lang="en-US"/>
           </a:p>
@@ -1290,7 +1289,7 @@
           <a:p>
             <a:fld id="{42B8B0BE-C8D7-EB48-AD68-71DB5002F24B}" type="datetimeFigureOut">
               <a:rPr lang="en-US" smtClean="0"/>
-              <a:t>3/20/23</a:t>
+              <a:t>3/22/23</a:t>
             </a:fld>
             <a:endParaRPr lang="en-US"/>
           </a:p>
@@ -1458,7 +1457,7 @@
           <a:p>
             <a:fld id="{42B8B0BE-C8D7-EB48-AD68-71DB5002F24B}" type="datetimeFigureOut">
               <a:rPr lang="en-US" smtClean="0"/>
-              <a:t>3/20/23</a:t>
+              <a:t>3/22/23</a:t>
             </a:fld>
             <a:endParaRPr lang="en-US"/>
           </a:p>
@@ -1636,7 +1635,7 @@
           <a:p>
             <a:fld id="{42B8B0BE-C8D7-EB48-AD68-71DB5002F24B}" type="datetimeFigureOut">
               <a:rPr lang="en-US" smtClean="0"/>
-              <a:t>3/20/23</a:t>
+              <a:t>3/22/23</a:t>
             </a:fld>
             <a:endParaRPr lang="en-US"/>
           </a:p>
@@ -1804,7 +1803,7 @@
           <a:p>
             <a:fld id="{42B8B0BE-C8D7-EB48-AD68-71DB5002F24B}" type="datetimeFigureOut">
               <a:rPr lang="en-US" smtClean="0"/>
-              <a:t>3/20/23</a:t>
+              <a:t>3/22/23</a:t>
             </a:fld>
             <a:endParaRPr lang="en-US"/>
           </a:p>
@@ -2049,7 +2048,7 @@
           <a:p>
             <a:fld id="{42B8B0BE-C8D7-EB48-AD68-71DB5002F24B}" type="datetimeFigureOut">
               <a:rPr lang="en-US" smtClean="0"/>
-              <a:t>3/20/23</a:t>
+              <a:t>3/22/23</a:t>
             </a:fld>
             <a:endParaRPr lang="en-US"/>
           </a:p>
@@ -2334,7 +2333,7 @@
           <a:p>
             <a:fld id="{42B8B0BE-C8D7-EB48-AD68-71DB5002F24B}" type="datetimeFigureOut">
               <a:rPr lang="en-US" smtClean="0"/>
-              <a:t>3/20/23</a:t>
+              <a:t>3/22/23</a:t>
             </a:fld>
             <a:endParaRPr lang="en-US"/>
           </a:p>
@@ -2753,7 +2752,7 @@
           <a:p>
             <a:fld id="{42B8B0BE-C8D7-EB48-AD68-71DB5002F24B}" type="datetimeFigureOut">
               <a:rPr lang="en-US" smtClean="0"/>
-              <a:t>3/20/23</a:t>
+              <a:t>3/22/23</a:t>
             </a:fld>
             <a:endParaRPr lang="en-US"/>
           </a:p>
@@ -2870,7 +2869,7 @@
           <a:p>
             <a:fld id="{42B8B0BE-C8D7-EB48-AD68-71DB5002F24B}" type="datetimeFigureOut">
               <a:rPr lang="en-US" smtClean="0"/>
-              <a:t>3/20/23</a:t>
+              <a:t>3/22/23</a:t>
             </a:fld>
             <a:endParaRPr lang="en-US"/>
           </a:p>
@@ -2965,7 +2964,7 @@
           <a:p>
             <a:fld id="{42B8B0BE-C8D7-EB48-AD68-71DB5002F24B}" type="datetimeFigureOut">
               <a:rPr lang="en-US" smtClean="0"/>
-              <a:t>3/20/23</a:t>
+              <a:t>3/22/23</a:t>
             </a:fld>
             <a:endParaRPr lang="en-US"/>
           </a:p>
@@ -3240,7 +3239,7 @@
           <a:p>
             <a:fld id="{42B8B0BE-C8D7-EB48-AD68-71DB5002F24B}" type="datetimeFigureOut">
               <a:rPr lang="en-US" smtClean="0"/>
-              <a:t>3/20/23</a:t>
+              <a:t>3/22/23</a:t>
             </a:fld>
             <a:endParaRPr lang="en-US"/>
           </a:p>
@@ -3492,7 +3491,7 @@
           <a:p>
             <a:fld id="{42B8B0BE-C8D7-EB48-AD68-71DB5002F24B}" type="datetimeFigureOut">
               <a:rPr lang="en-US" smtClean="0"/>
-              <a:t>3/20/23</a:t>
+              <a:t>3/22/23</a:t>
             </a:fld>
             <a:endParaRPr lang="en-US"/>
           </a:p>
@@ -3703,7 +3702,7 @@
           <a:p>
             <a:fld id="{42B8B0BE-C8D7-EB48-AD68-71DB5002F24B}" type="datetimeFigureOut">
               <a:rPr lang="en-US" smtClean="0"/>
-              <a:t>3/20/23</a:t>
+              <a:t>3/22/23</a:t>
             </a:fld>
             <a:endParaRPr lang="en-US"/>
           </a:p>
@@ -4203,12 +4202,8 @@
           <a:lstStyle/>
           <a:p>
             <a:r>
-              <a:rPr lang="en-US" sz="3200" dirty="0" err="1"/>
-              <a:t>HaplotypeCaller</a:t>
-            </a:r>
-            <a:r>
               <a:rPr lang="en-US" sz="3200" dirty="0"/>
-              <a:t> of GATK4</a:t>
+              <a:t>GATK to SNP discovery</a:t>
             </a:r>
           </a:p>
         </p:txBody>
@@ -4225,8 +4220,8 @@
         </p:nvSpPr>
         <p:spPr>
           <a:xfrm>
-            <a:off x="573813" y="1204379"/>
-            <a:ext cx="8426495" cy="5209484"/>
+            <a:off x="699364" y="1604804"/>
+            <a:ext cx="8229600" cy="4848250"/>
           </a:xfrm>
         </p:spPr>
         <p:txBody>
@@ -4239,8 +4234,11 @@
               <a:buNone/>
             </a:pPr>
             <a:r>
-              <a:rPr lang="en-US" dirty="0"/>
-              <a:t>USAGE: </a:t>
+              <a:rPr lang="en-US" dirty="0">
+                <a:latin typeface="Courier"/>
+                <a:cs typeface="Courier"/>
+              </a:rPr>
+              <a:t>### using </a:t>
             </a:r>
             <a:r>
               <a:rPr lang="en-US" dirty="0" err="1"/>
@@ -4248,7 +4246,14 @@
             </a:r>
             <a:r>
               <a:rPr lang="en-US" dirty="0"/>
-              <a:t> [arguments]</a:t>
+              <a:t> </a:t>
+            </a:r>
+            <a:r>
+              <a:rPr lang="en-US" dirty="0">
+                <a:latin typeface="Courier"/>
+                <a:cs typeface="Courier"/>
+              </a:rPr>
+              <a:t>from GATK</a:t>
             </a:r>
           </a:p>
           <a:p>
@@ -4256,24 +4261,11 @@
               <a:buNone/>
             </a:pPr>
             <a:r>
-              <a:rPr lang="en-US" dirty="0"/>
-              <a:t>Call </a:t>
-            </a:r>
-            <a:r>
-              <a:rPr lang="en-US" dirty="0" err="1"/>
-              <a:t>germline</a:t>
-            </a:r>
-            <a:r>
-              <a:rPr lang="en-US" dirty="0"/>
-              <a:t> SNPs and </a:t>
-            </a:r>
-            <a:r>
-              <a:rPr lang="en-US" dirty="0" err="1"/>
-              <a:t>indels</a:t>
-            </a:r>
-            <a:r>
-              <a:rPr lang="en-US" dirty="0"/>
-              <a:t> via local re-assembly of haplotypes</a:t>
+              <a:rPr lang="en-US" dirty="0">
+                <a:latin typeface="Courier"/>
+                <a:cs typeface="Courier"/>
+              </a:rPr>
+              <a:t>cd GATK</a:t>
             </a:r>
           </a:p>
           <a:p>
@@ -4281,27 +4273,53 @@
               <a:buNone/>
             </a:pPr>
             <a:r>
-              <a:rPr lang="de-DE" dirty="0"/>
-              <a:t>Version:4.1.0.0</a:t>
+              <a:rPr lang="en-US" sz="2000" dirty="0">
+                <a:latin typeface="Courier"/>
+                <a:cs typeface="Courier"/>
+              </a:rPr>
+              <a:t>module load GATK/4.1.4.1-GCCcore-8.3.0-Java-11</a:t>
             </a:r>
           </a:p>
           <a:p>
             <a:pPr marL="0" indent="0">
               <a:buNone/>
             </a:pPr>
-            <a:endParaRPr lang="de-DE" dirty="0"/>
+            <a:endParaRPr lang="en-US" dirty="0">
+              <a:latin typeface="Courier"/>
+              <a:cs typeface="Courier"/>
+            </a:endParaRPr>
           </a:p>
           <a:p>
             <a:pPr marL="0" indent="0">
               <a:buNone/>
             </a:pPr>
             <a:r>
-              <a:rPr lang="de-DE" dirty="0" err="1"/>
-              <a:t>Required</a:t>
-            </a:r>
-            <a:r>
-              <a:rPr lang="de-DE" dirty="0"/>
-              <a:t> Arguments:</a:t>
+              <a:rPr lang="en-US" dirty="0" err="1">
+                <a:latin typeface="Courier"/>
+                <a:cs typeface="Courier"/>
+              </a:rPr>
+              <a:t>gatk</a:t>
+            </a:r>
+            <a:r>
+              <a:rPr lang="en-US" dirty="0">
+                <a:latin typeface="Courier"/>
+                <a:cs typeface="Courier"/>
+              </a:rPr>
+              <a:t> </a:t>
+            </a:r>
+            <a:r>
+              <a:rPr lang="ro-RO" dirty="0">
+                <a:latin typeface="Courier"/>
+                <a:cs typeface="Courier"/>
+              </a:rPr>
+              <a:t>HaplotypeCaller </a:t>
+            </a:r>
+            <a:r>
+              <a:rPr lang="en-US" dirty="0">
+                <a:latin typeface="Courier"/>
+                <a:cs typeface="Courier"/>
+              </a:rPr>
+              <a:t>\</a:t>
             </a:r>
           </a:p>
           <a:p>
@@ -4309,87 +4327,161 @@
               <a:buNone/>
             </a:pPr>
             <a:r>
-              <a:rPr lang="de-DE" dirty="0"/>
+              <a:rPr lang="en-US" dirty="0">
+                <a:latin typeface="Courier"/>
+                <a:cs typeface="Courier"/>
+              </a:rPr>
+              <a:t>  </a:t>
+            </a:r>
+            <a:r>
+              <a:rPr lang="fr-FR" dirty="0">
+                <a:latin typeface="Courier"/>
+                <a:cs typeface="Courier"/>
+              </a:rPr>
+              <a:t>--java-options '-Xmx8G' \</a:t>
+            </a:r>
+            <a:endParaRPr lang="en-US" dirty="0">
+              <a:latin typeface="Courier"/>
+              <a:cs typeface="Courier"/>
+            </a:endParaRPr>
+          </a:p>
+          <a:p>
+            <a:pPr marL="0" indent="0">
+              <a:buNone/>
+            </a:pPr>
+            <a:r>
+              <a:rPr lang="en-US" dirty="0">
+                <a:latin typeface="Courier"/>
+                <a:cs typeface="Courier"/>
+              </a:rPr>
+              <a:t>  -R ../references/Ecoli_k12_MG1655.fasta \</a:t>
+            </a:r>
+          </a:p>
+          <a:p>
+            <a:pPr marL="0" indent="0">
+              <a:buNone/>
+            </a:pPr>
+            <a:r>
+              <a:rPr lang="en-US" dirty="0">
+                <a:latin typeface="Courier"/>
+                <a:cs typeface="Courier"/>
+              </a:rPr>
+              <a:t>  -I ../data/DH10B.parse.bam \</a:t>
+            </a:r>
+          </a:p>
+          <a:p>
+            <a:pPr marL="0" indent="0">
+              <a:buNone/>
+            </a:pPr>
+            <a:r>
+              <a:rPr lang="en-US" dirty="0">
+                <a:latin typeface="Courier"/>
+                <a:cs typeface="Courier"/>
+              </a:rPr>
+              <a:t>  -I ../data/MG1655.parse.bam \</a:t>
+            </a:r>
+          </a:p>
+          <a:p>
+            <a:pPr marL="0" indent="0">
+              <a:buNone/>
+            </a:pPr>
+            <a:r>
+              <a:rPr lang="en-US" dirty="0">
+                <a:latin typeface="Courier"/>
+                <a:cs typeface="Courier"/>
+              </a:rPr>
+              <a:t>  </a:t>
+            </a:r>
+            <a:r>
+              <a:rPr lang="fr-FR" dirty="0">
+                <a:latin typeface="Courier"/>
+                <a:cs typeface="Courier"/>
+              </a:rPr>
               <a:t>-</a:t>
             </a:r>
             <a:r>
-              <a:rPr lang="de-DE" dirty="0" err="1"/>
-              <a:t>I:String</a:t>
-            </a:r>
-            <a:r>
-              <a:rPr lang="de-DE" dirty="0"/>
-              <a:t>	  BAM/SAM/CRAM </a:t>
-            </a:r>
-            <a:r>
-              <a:rPr lang="de-DE" dirty="0" err="1"/>
-              <a:t>file</a:t>
-            </a:r>
-            <a:r>
-              <a:rPr lang="de-DE" dirty="0"/>
-              <a:t> </a:t>
-            </a:r>
-            <a:r>
-              <a:rPr lang="de-DE" dirty="0" err="1"/>
-              <a:t>containing</a:t>
-            </a:r>
-            <a:r>
-              <a:rPr lang="de-DE" dirty="0"/>
-              <a:t> </a:t>
-            </a:r>
-            <a:r>
-              <a:rPr lang="de-DE" dirty="0" err="1"/>
-              <a:t>reads</a:t>
-            </a:r>
-            <a:r>
-              <a:rPr lang="de-DE" dirty="0"/>
-              <a:t>.</a:t>
-            </a:r>
-            <a:endParaRPr lang="en-US" dirty="0"/>
+              <a:rPr lang="fr-FR" dirty="0" err="1">
+                <a:latin typeface="Courier"/>
+                <a:cs typeface="Courier"/>
+              </a:rPr>
+              <a:t>ploidy</a:t>
+            </a:r>
+            <a:r>
+              <a:rPr lang="fr-FR" dirty="0">
+                <a:latin typeface="Courier"/>
+                <a:cs typeface="Courier"/>
+              </a:rPr>
+              <a:t> 1 \</a:t>
+            </a:r>
           </a:p>
           <a:p>
             <a:pPr marL="0" indent="0">
               <a:buNone/>
             </a:pPr>
-            <a:endParaRPr lang="en-US" dirty="0"/>
-          </a:p>
-          <a:p>
-            <a:pPr marL="0" indent="0">
-              <a:buNone/>
-            </a:pPr>
-            <a:r>
-              <a:rPr lang="en-US" dirty="0"/>
-              <a:t>-</a:t>
-            </a:r>
-            <a:r>
-              <a:rPr lang="en-US" dirty="0" err="1"/>
-              <a:t>O:String</a:t>
-            </a:r>
-            <a:r>
-              <a:rPr lang="en-US" dirty="0"/>
-              <a:t>  File to which variants should be written. </a:t>
-            </a:r>
-          </a:p>
-          <a:p>
-            <a:pPr marL="0" indent="0">
-              <a:buNone/>
-            </a:pPr>
-            <a:endParaRPr lang="en-US" dirty="0"/>
-          </a:p>
-          <a:p>
-            <a:pPr marL="0" indent="0">
-              <a:buNone/>
-            </a:pPr>
-            <a:r>
-              <a:rPr lang="en-US" dirty="0"/>
-              <a:t>-</a:t>
-            </a:r>
-            <a:r>
-              <a:rPr lang="en-US" dirty="0" err="1"/>
-              <a:t>R:String</a:t>
-            </a:r>
-            <a:r>
-              <a:rPr lang="en-US" dirty="0"/>
-              <a:t>	  Reference sequence file. </a:t>
+            <a:r>
+              <a:rPr lang="en-US" dirty="0">
+                <a:latin typeface="Courier"/>
+                <a:cs typeface="Courier"/>
+              </a:rPr>
+              <a:t>  -O </a:t>
+            </a:r>
+            <a:r>
+              <a:rPr lang="en-US" dirty="0" err="1">
+                <a:latin typeface="Courier"/>
+                <a:cs typeface="Courier"/>
+              </a:rPr>
+              <a:t>variants.raw.vcf</a:t>
+            </a:r>
+            <a:r>
+              <a:rPr lang="en-US" dirty="0">
+                <a:latin typeface="Courier"/>
+                <a:cs typeface="Courier"/>
+              </a:rPr>
+              <a:t> &amp;&gt;</a:t>
+            </a:r>
+            <a:r>
+              <a:rPr lang="en-US" dirty="0" err="1">
+                <a:latin typeface="Courier"/>
+                <a:cs typeface="Courier"/>
+              </a:rPr>
+              <a:t>variants.log</a:t>
+            </a:r>
+            <a:endParaRPr lang="en-US" dirty="0">
+              <a:latin typeface="Courier"/>
+              <a:cs typeface="Courier"/>
+            </a:endParaRPr>
+          </a:p>
+        </p:txBody>
+      </p:sp>
+      <p:sp>
+        <p:nvSpPr>
+          <p:cNvPr id="5" name="TextBox 4"/>
+          <p:cNvSpPr txBox="1"/>
+          <p:nvPr/>
+        </p:nvSpPr>
+        <p:spPr>
+          <a:xfrm>
+            <a:off x="589194" y="1081584"/>
+            <a:ext cx="3982806" cy="523220"/>
+          </a:xfrm>
+          <a:prstGeom prst="rect">
+            <a:avLst/>
+          </a:prstGeom>
+          <a:noFill/>
+        </p:spPr>
+        <p:txBody>
+          <a:bodyPr wrap="none" rtlCol="0">
+            <a:spAutoFit/>
+          </a:bodyPr>
+          <a:lstStyle/>
+          <a:p>
+            <a:r>
+              <a:rPr lang="en-US" sz="2800" dirty="0">
+                <a:solidFill>
+                  <a:srgbClr val="FF0000"/>
+                </a:solidFill>
+              </a:rPr>
+              <a:t>In the directory of "GATK"</a:t>
             </a:r>
           </a:p>
         </p:txBody>
@@ -4397,7 +4489,7 @@
     </p:spTree>
     <p:extLst>
       <p:ext uri="{BB962C8B-B14F-4D97-AF65-F5344CB8AC3E}">
-        <p14:creationId xmlns:p14="http://schemas.microsoft.com/office/powerpoint/2010/main" val="666912136"/>
+        <p14:creationId xmlns:p14="http://schemas.microsoft.com/office/powerpoint/2010/main" val="3734059720"/>
       </p:ext>
     </p:extLst>
   </p:cSld>
@@ -4443,7 +4535,7 @@
           <a:p>
             <a:r>
               <a:rPr lang="en-US" sz="3200" dirty="0"/>
-              <a:t>GATK to SNP discovery</a:t>
+              <a:t>Variant filtering</a:t>
             </a:r>
           </a:p>
         </p:txBody>
@@ -4460,13 +4552,13 @@
         </p:nvSpPr>
         <p:spPr>
           <a:xfrm>
-            <a:off x="699364" y="1604804"/>
-            <a:ext cx="8229600" cy="4848250"/>
+            <a:off x="356275" y="1712343"/>
+            <a:ext cx="8575365" cy="3110696"/>
           </a:xfrm>
         </p:spPr>
         <p:txBody>
           <a:bodyPr>
-            <a:noAutofit/>
+            <a:normAutofit/>
           </a:bodyPr>
           <a:lstStyle/>
           <a:p>
@@ -4474,230 +4566,191 @@
               <a:buNone/>
             </a:pPr>
             <a:r>
-              <a:rPr lang="en-US" dirty="0">
+              <a:rPr lang="en-US" sz="2000" dirty="0" err="1">
                 <a:latin typeface="Courier"/>
                 <a:cs typeface="Courier"/>
               </a:rPr>
-              <a:t>### using </a:t>
-            </a:r>
-            <a:r>
-              <a:rPr lang="en-US" dirty="0" err="1"/>
-              <a:t>HaplotypeCaller</a:t>
-            </a:r>
-            <a:r>
-              <a:rPr lang="en-US" dirty="0"/>
-              <a:t> </a:t>
-            </a:r>
-            <a:r>
-              <a:rPr lang="en-US" dirty="0">
+              <a:t>gatk</a:t>
+            </a:r>
+            <a:r>
+              <a:rPr lang="en-US" sz="2000" dirty="0">
                 <a:latin typeface="Courier"/>
                 <a:cs typeface="Courier"/>
               </a:rPr>
-              <a:t>from GATK</a:t>
-            </a:r>
-          </a:p>
-          <a:p>
-            <a:pPr marL="0" indent="0">
-              <a:buNone/>
-            </a:pPr>
-            <a:r>
-              <a:rPr lang="ro-RO" dirty="0">
+              <a:t> </a:t>
+            </a:r>
+            <a:r>
+              <a:rPr lang="en-US" sz="2000" dirty="0" err="1">
                 <a:latin typeface="Courier"/>
                 <a:cs typeface="Courier"/>
               </a:rPr>
-              <a:t>module load Java/1.8.0_192 </a:t>
-            </a:r>
-          </a:p>
-          <a:p>
-            <a:pPr marL="0" indent="0">
-              <a:buNone/>
-            </a:pPr>
-            <a:r>
-              <a:rPr lang="en-US" dirty="0">
+              <a:t>SelectVariants</a:t>
+            </a:r>
+            <a:r>
+              <a:rPr lang="en-US" sz="2000" dirty="0">
                 <a:latin typeface="Courier"/>
                 <a:cs typeface="Courier"/>
               </a:rPr>
-              <a:t>cd GATK</a:t>
+              <a:t> \</a:t>
             </a:r>
           </a:p>
           <a:p>
             <a:pPr marL="0" indent="0">
               <a:buNone/>
             </a:pPr>
-            <a:endParaRPr lang="en-US" dirty="0">
+            <a:r>
+              <a:rPr lang="en-US" sz="2000" dirty="0">
+                <a:latin typeface="Courier"/>
+                <a:cs typeface="Courier"/>
+              </a:rPr>
+              <a:t>  -R ../references/Ecoli_k12_MG1655.fasta \</a:t>
+            </a:r>
+          </a:p>
+          <a:p>
+            <a:pPr marL="0" indent="0">
+              <a:buNone/>
+            </a:pPr>
+            <a:r>
+              <a:rPr lang="en-US" sz="2000" dirty="0">
+                <a:latin typeface="Courier"/>
+                <a:cs typeface="Courier"/>
+              </a:rPr>
+              <a:t>  -V </a:t>
+            </a:r>
+            <a:r>
+              <a:rPr lang="en-US" sz="2000" dirty="0" err="1">
+                <a:latin typeface="Courier"/>
+                <a:cs typeface="Courier"/>
+              </a:rPr>
+              <a:t>variants.raw.vcf</a:t>
+            </a:r>
+            <a:r>
+              <a:rPr lang="en-US" sz="2000" dirty="0">
+                <a:latin typeface="Courier"/>
+                <a:cs typeface="Courier"/>
+              </a:rPr>
+              <a:t> \</a:t>
+            </a:r>
+          </a:p>
+          <a:p>
+            <a:pPr marL="0" indent="0">
+              <a:buNone/>
+            </a:pPr>
+            <a:r>
+              <a:rPr lang="en-US" sz="2000" dirty="0">
+                <a:latin typeface="Courier"/>
+                <a:cs typeface="Courier"/>
+              </a:rPr>
+              <a:t>  -select 'QD &gt;= </a:t>
+            </a:r>
+            <a:r>
+              <a:rPr lang="en-US" sz="2000" dirty="0">
+                <a:solidFill>
+                  <a:srgbClr val="FF0000"/>
+                </a:solidFill>
+                <a:latin typeface="Courier"/>
+                <a:cs typeface="Courier"/>
+              </a:rPr>
+              <a:t>10.0</a:t>
+            </a:r>
+            <a:r>
+              <a:rPr lang="en-US" sz="2000" dirty="0">
+                <a:latin typeface="Courier"/>
+                <a:cs typeface="Courier"/>
+              </a:rPr>
+              <a:t>' \</a:t>
+            </a:r>
+          </a:p>
+          <a:p>
+            <a:pPr marL="0" indent="0">
+              <a:buNone/>
+            </a:pPr>
+            <a:r>
+              <a:rPr lang="en-US" sz="2000" dirty="0">
+                <a:latin typeface="Courier"/>
+                <a:cs typeface="Courier"/>
+              </a:rPr>
+              <a:t>  -select 'DP &gt;= </a:t>
+            </a:r>
+            <a:r>
+              <a:rPr lang="en-US" sz="2000" dirty="0">
+                <a:solidFill>
+                  <a:srgbClr val="FF0000"/>
+                </a:solidFill>
+                <a:latin typeface="Courier"/>
+                <a:cs typeface="Courier"/>
+              </a:rPr>
+              <a:t>10.0</a:t>
+            </a:r>
+            <a:r>
+              <a:rPr lang="en-US" sz="2000" dirty="0">
+                <a:latin typeface="Courier"/>
+                <a:cs typeface="Courier"/>
+              </a:rPr>
+              <a:t>' \</a:t>
+            </a:r>
+          </a:p>
+          <a:p>
+            <a:pPr marL="0" indent="0">
+              <a:buNone/>
+            </a:pPr>
+            <a:r>
+              <a:rPr lang="en-US" sz="2000" dirty="0">
+                <a:latin typeface="Courier"/>
+                <a:cs typeface="Courier"/>
+              </a:rPr>
+              <a:t>  --restrict-alleles-to BIALLELIC \</a:t>
+            </a:r>
+          </a:p>
+          <a:p>
+            <a:pPr marL="0" indent="0">
+              <a:buNone/>
+            </a:pPr>
+            <a:r>
+              <a:rPr lang="en-US" sz="2000" dirty="0">
+                <a:latin typeface="Courier"/>
+                <a:cs typeface="Courier"/>
+              </a:rPr>
+              <a:t>  -select-type SNP \</a:t>
+            </a:r>
+          </a:p>
+          <a:p>
+            <a:pPr marL="0" indent="0">
+              <a:buNone/>
+            </a:pPr>
+            <a:r>
+              <a:rPr lang="en-US" sz="2000" dirty="0">
+                <a:latin typeface="Courier"/>
+                <a:cs typeface="Courier"/>
+              </a:rPr>
+              <a:t>  -O </a:t>
+            </a:r>
+            <a:r>
+              <a:rPr lang="en-US" sz="2000" dirty="0" err="1">
+                <a:latin typeface="Courier"/>
+                <a:cs typeface="Courier"/>
+              </a:rPr>
+              <a:t>selected.snp.vcf</a:t>
+            </a:r>
+            <a:r>
+              <a:rPr lang="en-US" sz="2000" dirty="0">
+                <a:latin typeface="Courier"/>
+                <a:cs typeface="Courier"/>
+              </a:rPr>
+              <a:t> &amp;&gt;</a:t>
+            </a:r>
+            <a:r>
+              <a:rPr lang="en-US" sz="2000" dirty="0" err="1">
+                <a:latin typeface="Courier"/>
+                <a:cs typeface="Courier"/>
+              </a:rPr>
+              <a:t>selected.log</a:t>
+            </a:r>
+            <a:endParaRPr lang="en-US" sz="2000" dirty="0">
               <a:latin typeface="Courier"/>
               <a:cs typeface="Courier"/>
             </a:endParaRPr>
           </a:p>
-          <a:p>
-            <a:pPr marL="0" indent="0">
-              <a:buNone/>
-            </a:pPr>
-            <a:r>
-              <a:rPr lang="en-US" dirty="0">
-                <a:latin typeface="Courier"/>
-                <a:cs typeface="Courier"/>
-              </a:rPr>
-              <a:t>$</a:t>
-            </a:r>
-            <a:r>
-              <a:rPr lang="en-US" dirty="0" err="1">
-                <a:latin typeface="Courier"/>
-                <a:cs typeface="Courier"/>
-              </a:rPr>
-              <a:t>gatk</a:t>
-            </a:r>
-            <a:r>
-              <a:rPr lang="en-US" dirty="0">
-                <a:latin typeface="Courier"/>
-                <a:cs typeface="Courier"/>
-              </a:rPr>
-              <a:t> </a:t>
-            </a:r>
-            <a:r>
-              <a:rPr lang="ro-RO" dirty="0">
-                <a:latin typeface="Courier"/>
-                <a:cs typeface="Courier"/>
-              </a:rPr>
-              <a:t>HaplotypeCaller </a:t>
-            </a:r>
-            <a:r>
-              <a:rPr lang="en-US" dirty="0">
-                <a:latin typeface="Courier"/>
-                <a:cs typeface="Courier"/>
-              </a:rPr>
-              <a:t>\</a:t>
-            </a:r>
-          </a:p>
-          <a:p>
-            <a:pPr marL="0" indent="0">
-              <a:buNone/>
-            </a:pPr>
-            <a:r>
-              <a:rPr lang="en-US" dirty="0">
-                <a:latin typeface="Courier"/>
-                <a:cs typeface="Courier"/>
-              </a:rPr>
-              <a:t>  </a:t>
-            </a:r>
-            <a:r>
-              <a:rPr lang="fr-FR" dirty="0">
-                <a:latin typeface="Courier"/>
-                <a:cs typeface="Courier"/>
-              </a:rPr>
-              <a:t>--java-options '-Xmx8G' \</a:t>
-            </a:r>
-            <a:endParaRPr lang="en-US" dirty="0">
-              <a:latin typeface="Courier"/>
-              <a:cs typeface="Courier"/>
-            </a:endParaRPr>
-          </a:p>
-          <a:p>
-            <a:pPr marL="0" indent="0">
-              <a:buNone/>
-            </a:pPr>
-            <a:r>
-              <a:rPr lang="en-US" dirty="0">
-                <a:latin typeface="Courier"/>
-                <a:cs typeface="Courier"/>
-              </a:rPr>
-              <a:t>  -R ../references/Ecoli_k12_MG1655.fasta \</a:t>
-            </a:r>
-          </a:p>
-          <a:p>
-            <a:pPr marL="0" indent="0">
-              <a:buNone/>
-            </a:pPr>
-            <a:r>
-              <a:rPr lang="en-US" dirty="0">
-                <a:latin typeface="Courier"/>
-                <a:cs typeface="Courier"/>
-              </a:rPr>
-              <a:t>  -I ../data/DH10B.parse.bam \</a:t>
-            </a:r>
-          </a:p>
-          <a:p>
-            <a:pPr marL="0" indent="0">
-              <a:buNone/>
-            </a:pPr>
-            <a:r>
-              <a:rPr lang="en-US" dirty="0">
-                <a:latin typeface="Courier"/>
-                <a:cs typeface="Courier"/>
-              </a:rPr>
-              <a:t>  -I ../data/MG1655.parse.bam \</a:t>
-            </a:r>
-          </a:p>
-          <a:p>
-            <a:pPr marL="0" indent="0">
-              <a:buNone/>
-            </a:pPr>
-            <a:r>
-              <a:rPr lang="en-US" dirty="0">
-                <a:latin typeface="Courier"/>
-                <a:cs typeface="Courier"/>
-              </a:rPr>
-              <a:t>  </a:t>
-            </a:r>
-            <a:r>
-              <a:rPr lang="fr-FR" dirty="0">
-                <a:latin typeface="Courier"/>
-                <a:cs typeface="Courier"/>
-              </a:rPr>
-              <a:t>-</a:t>
-            </a:r>
-            <a:r>
-              <a:rPr lang="fr-FR" dirty="0" err="1">
-                <a:latin typeface="Courier"/>
-                <a:cs typeface="Courier"/>
-              </a:rPr>
-              <a:t>ploidy</a:t>
-            </a:r>
-            <a:r>
-              <a:rPr lang="fr-FR" dirty="0">
-                <a:latin typeface="Courier"/>
-                <a:cs typeface="Courier"/>
-              </a:rPr>
-              <a:t> 1 \</a:t>
-            </a:r>
-          </a:p>
-          <a:p>
-            <a:pPr marL="0" indent="0">
-              <a:buNone/>
-            </a:pPr>
-            <a:r>
-              <a:rPr lang="en-US" dirty="0">
-                <a:latin typeface="Courier"/>
-                <a:cs typeface="Courier"/>
-              </a:rPr>
-              <a:t>  -O </a:t>
-            </a:r>
-            <a:r>
-              <a:rPr lang="en-US" dirty="0" err="1">
-                <a:latin typeface="Courier"/>
-                <a:cs typeface="Courier"/>
-              </a:rPr>
-              <a:t>variants.raw.vcf</a:t>
-            </a:r>
-            <a:r>
-              <a:rPr lang="en-US" dirty="0">
-                <a:latin typeface="Courier"/>
-                <a:cs typeface="Courier"/>
-              </a:rPr>
-              <a:t> &amp;&gt;</a:t>
-            </a:r>
-            <a:r>
-              <a:rPr lang="en-US" dirty="0" err="1">
-                <a:latin typeface="Courier"/>
-                <a:cs typeface="Courier"/>
-              </a:rPr>
-              <a:t>variants.log</a:t>
-            </a:r>
-            <a:endParaRPr lang="en-US" dirty="0">
-              <a:latin typeface="Courier"/>
-              <a:cs typeface="Courier"/>
-            </a:endParaRPr>
-          </a:p>
         </p:txBody>
       </p:sp>
       <p:sp>
@@ -4708,7 +4761,85 @@
         </p:nvSpPr>
         <p:spPr>
           <a:xfrm>
-            <a:off x="589194" y="1081584"/>
+            <a:off x="356274" y="4934827"/>
+            <a:ext cx="8330526" cy="923330"/>
+          </a:xfrm>
+          <a:prstGeom prst="rect">
+            <a:avLst/>
+          </a:prstGeom>
+          <a:noFill/>
+        </p:spPr>
+        <p:txBody>
+          <a:bodyPr wrap="square" rtlCol="0">
+            <a:spAutoFit/>
+          </a:bodyPr>
+          <a:lstStyle/>
+          <a:p>
+            <a:r>
+              <a:rPr lang="en-US" b="1" dirty="0">
+                <a:solidFill>
+                  <a:srgbClr val="4F6228"/>
+                </a:solidFill>
+              </a:rPr>
+              <a:t>INFO</a:t>
+            </a:r>
+            <a:r>
+              <a:rPr lang="en-US" dirty="0"/>
+              <a:t>:</a:t>
+            </a:r>
+          </a:p>
+          <a:p>
+            <a:r>
+              <a:rPr lang="en-US" dirty="0"/>
+              <a:t>AC=1;AF=0.500;AN=2;BaseQRankSum=1.125;DP=39;FS=16.048;MLEAC=1;MLEAF=0.500;MQ=60.00;MQRankSum=0.000;QD=29.53;ReadPosRankSum=-0.506;SOR=1.023</a:t>
+            </a:r>
+          </a:p>
+        </p:txBody>
+      </p:sp>
+      <p:sp>
+        <p:nvSpPr>
+          <p:cNvPr id="6" name="TextBox 5"/>
+          <p:cNvSpPr txBox="1"/>
+          <p:nvPr/>
+        </p:nvSpPr>
+        <p:spPr>
+          <a:xfrm>
+            <a:off x="760698" y="5939926"/>
+            <a:ext cx="5299047" cy="369332"/>
+          </a:xfrm>
+          <a:prstGeom prst="rect">
+            <a:avLst/>
+          </a:prstGeom>
+          <a:noFill/>
+        </p:spPr>
+        <p:txBody>
+          <a:bodyPr wrap="none" rtlCol="0">
+            <a:spAutoFit/>
+          </a:bodyPr>
+          <a:lstStyle/>
+          <a:p>
+            <a:r>
+              <a:rPr lang="en-US" dirty="0"/>
+              <a:t>for example: QD: Variant Confidence/Quality by Depth</a:t>
+            </a:r>
+          </a:p>
+        </p:txBody>
+      </p:sp>
+      <p:sp>
+        <p:nvSpPr>
+          <p:cNvPr id="7" name="TextBox 6">
+            <a:extLst>
+              <a:ext uri="{FF2B5EF4-FFF2-40B4-BE49-F238E27FC236}">
+                <a16:creationId xmlns:a16="http://schemas.microsoft.com/office/drawing/2014/main" id="{9203DCEE-15A7-2C42-BC2F-BC1E0A2F872A}"/>
+              </a:ext>
+            </a:extLst>
+          </p:cNvPr>
+          <p:cNvSpPr txBox="1"/>
+          <p:nvPr/>
+        </p:nvSpPr>
+        <p:spPr>
+          <a:xfrm>
+            <a:off x="212360" y="1011728"/>
             <a:ext cx="3982806" cy="523220"/>
           </a:xfrm>
           <a:prstGeom prst="rect">
@@ -4736,7 +4867,7 @@
     </p:spTree>
     <p:extLst>
       <p:ext uri="{BB962C8B-B14F-4D97-AF65-F5344CB8AC3E}">
-        <p14:creationId xmlns:p14="http://schemas.microsoft.com/office/powerpoint/2010/main" val="3734059720"/>
+        <p14:creationId xmlns:p14="http://schemas.microsoft.com/office/powerpoint/2010/main" val="1015194485"/>
       </p:ext>
     </p:extLst>
   </p:cSld>
@@ -4782,7 +4913,7 @@
           <a:p>
             <a:r>
               <a:rPr lang="en-US" sz="3200" dirty="0"/>
-              <a:t>Variant filtering</a:t>
+              <a:t>VCF to table</a:t>
             </a:r>
           </a:p>
         </p:txBody>
@@ -4799,13 +4930,13 @@
         </p:nvSpPr>
         <p:spPr>
           <a:xfrm>
-            <a:off x="356275" y="1712343"/>
-            <a:ext cx="8575365" cy="3110696"/>
+            <a:off x="382001" y="2031049"/>
+            <a:ext cx="8521888" cy="2790231"/>
           </a:xfrm>
         </p:spPr>
         <p:txBody>
           <a:bodyPr>
-            <a:normAutofit/>
+            <a:noAutofit/>
           </a:bodyPr>
           <a:lstStyle/>
           <a:p>
@@ -4813,77 +4944,82 @@
               <a:buNone/>
             </a:pPr>
             <a:r>
-              <a:rPr lang="en-US" sz="2000" dirty="0">
+              <a:rPr lang="en-US" dirty="0" err="1">
                 <a:latin typeface="Courier"/>
                 <a:cs typeface="Courier"/>
               </a:rPr>
-              <a:t>$</a:t>
-            </a:r>
-            <a:r>
-              <a:rPr lang="en-US" sz="2000" dirty="0" err="1">
+              <a:t>gatk</a:t>
+            </a:r>
+            <a:r>
+              <a:rPr lang="en-US" dirty="0">
                 <a:latin typeface="Courier"/>
                 <a:cs typeface="Courier"/>
               </a:rPr>
-              <a:t>gatk</a:t>
-            </a:r>
-            <a:r>
-              <a:rPr lang="en-US" sz="2000" dirty="0">
+              <a:t> </a:t>
+            </a:r>
+            <a:r>
+              <a:rPr lang="en-US" dirty="0" err="1">
                 <a:latin typeface="Courier"/>
                 <a:cs typeface="Courier"/>
               </a:rPr>
-              <a:t> </a:t>
-            </a:r>
-            <a:r>
-              <a:rPr lang="en-US" sz="2000" dirty="0" err="1">
+              <a:t>VariantsToTable</a:t>
+            </a:r>
+            <a:r>
+              <a:rPr lang="en-US" dirty="0">
                 <a:latin typeface="Courier"/>
                 <a:cs typeface="Courier"/>
               </a:rPr>
-              <a:t>SelectVariants</a:t>
-            </a:r>
-            <a:r>
-              <a:rPr lang="en-US" sz="2000" dirty="0">
+              <a:t> \</a:t>
+            </a:r>
+          </a:p>
+          <a:p>
+            <a:pPr marL="0" indent="0">
+              <a:buNone/>
+            </a:pPr>
+            <a:r>
+              <a:rPr lang="en-US" dirty="0">
                 <a:latin typeface="Courier"/>
                 <a:cs typeface="Courier"/>
               </a:rPr>
-              <a:t> \</a:t>
-            </a:r>
-          </a:p>
-          <a:p>
-            <a:pPr marL="0" indent="0">
-              <a:buNone/>
-            </a:pPr>
-            <a:r>
-              <a:rPr lang="en-US" sz="2000" dirty="0">
+              <a:t>  -V </a:t>
+            </a:r>
+            <a:r>
+              <a:rPr lang="en-US" dirty="0" err="1">
                 <a:latin typeface="Courier"/>
                 <a:cs typeface="Courier"/>
               </a:rPr>
-              <a:t>  -R ../references/Ecoli_k12_MG1655.fasta \</a:t>
-            </a:r>
-          </a:p>
-          <a:p>
-            <a:pPr marL="0" indent="0">
-              <a:buNone/>
-            </a:pPr>
-            <a:r>
-              <a:rPr lang="en-US" sz="2000" dirty="0">
+              <a:t>selected.snp.vcf</a:t>
+            </a:r>
+            <a:r>
+              <a:rPr lang="en-US" dirty="0">
                 <a:latin typeface="Courier"/>
                 <a:cs typeface="Courier"/>
               </a:rPr>
-              <a:t>  -V </a:t>
-            </a:r>
-            <a:r>
-              <a:rPr lang="en-US" sz="2000" dirty="0" err="1">
+              <a:t> \</a:t>
+            </a:r>
+          </a:p>
+          <a:p>
+            <a:pPr marL="0" indent="0">
+              <a:buNone/>
+            </a:pPr>
+            <a:r>
+              <a:rPr lang="en-US" dirty="0">
                 <a:latin typeface="Courier"/>
                 <a:cs typeface="Courier"/>
               </a:rPr>
-              <a:t>variants.raw.vcf</a:t>
-            </a:r>
-            <a:r>
-              <a:rPr lang="en-US" sz="2000" dirty="0">
+              <a:t>  -R ../references/Ecoli_k12_MG1655.fasta \</a:t>
+            </a:r>
+          </a:p>
+          <a:p>
+            <a:pPr marL="0" indent="0">
+              <a:buNone/>
+            </a:pPr>
+            <a:r>
+              <a:rPr lang="en-US" dirty="0">
                 <a:latin typeface="Courier"/>
                 <a:cs typeface="Courier"/>
               </a:rPr>
-              <a:t> \</a:t>
+              <a:t>  -F CHROM -F POS -F REF -F ALT \</a:t>
             </a:r>
           </a:p>
           <a:p>
@@ -4891,119 +5027,38 @@
               <a:buNone/>
             </a:pPr>
             <a:r>
-              <a:rPr lang="en-US" sz="2000" dirty="0">
+              <a:rPr lang="en-US" dirty="0">
                 <a:latin typeface="Courier"/>
                 <a:cs typeface="Courier"/>
               </a:rPr>
-              <a:t>  -select 'QD &gt;= </a:t>
-            </a:r>
-            <a:r>
-              <a:rPr lang="en-US" sz="2000" dirty="0">
-                <a:solidFill>
-                  <a:srgbClr val="FF0000"/>
-                </a:solidFill>
+              <a:t>  --genotype-fields "GT" \</a:t>
+            </a:r>
+          </a:p>
+          <a:p>
+            <a:pPr marL="0" indent="0">
+              <a:buNone/>
+            </a:pPr>
+            <a:r>
+              <a:rPr lang="en-US" dirty="0">
                 <a:latin typeface="Courier"/>
                 <a:cs typeface="Courier"/>
               </a:rPr>
-              <a:t>10.0</a:t>
-            </a:r>
-            <a:r>
-              <a:rPr lang="en-US" sz="2000" dirty="0">
+              <a:t>  -O </a:t>
+            </a:r>
+            <a:r>
+              <a:rPr lang="en-US" dirty="0" err="1">
                 <a:latin typeface="Courier"/>
                 <a:cs typeface="Courier"/>
               </a:rPr>
-              <a:t>' \</a:t>
-            </a:r>
-          </a:p>
-          <a:p>
-            <a:pPr marL="0" indent="0">
-              <a:buNone/>
-            </a:pPr>
-            <a:r>
-              <a:rPr lang="en-US" sz="2000" dirty="0">
+              <a:t>selected.snp.txt</a:t>
+            </a:r>
+            <a:r>
+              <a:rPr lang="en-US" dirty="0">
                 <a:latin typeface="Courier"/>
                 <a:cs typeface="Courier"/>
               </a:rPr>
-              <a:t>  -select 'DP &gt;= </a:t>
-            </a:r>
-            <a:r>
-              <a:rPr lang="en-US" sz="2000" dirty="0">
-                <a:solidFill>
-                  <a:srgbClr val="FF0000"/>
-                </a:solidFill>
-                <a:latin typeface="Courier"/>
-                <a:cs typeface="Courier"/>
-              </a:rPr>
-              <a:t>10.0</a:t>
-            </a:r>
-            <a:r>
-              <a:rPr lang="en-US" sz="2000" dirty="0">
-                <a:latin typeface="Courier"/>
-                <a:cs typeface="Courier"/>
-              </a:rPr>
-              <a:t>' \</a:t>
-            </a:r>
-          </a:p>
-          <a:p>
-            <a:pPr marL="0" indent="0">
-              <a:buNone/>
-            </a:pPr>
-            <a:r>
-              <a:rPr lang="en-US" sz="2000" dirty="0">
-                <a:latin typeface="Courier"/>
-                <a:cs typeface="Courier"/>
-              </a:rPr>
-              <a:t>  --restrict-alleles-to BIALLELIC \</a:t>
-            </a:r>
-          </a:p>
-          <a:p>
-            <a:pPr marL="0" indent="0">
-              <a:buNone/>
-            </a:pPr>
-            <a:r>
-              <a:rPr lang="en-US" sz="2000" dirty="0">
-                <a:latin typeface="Courier"/>
-                <a:cs typeface="Courier"/>
-              </a:rPr>
-              <a:t>  -select-type SNP \</a:t>
-            </a:r>
-          </a:p>
-          <a:p>
-            <a:pPr marL="0" indent="0">
-              <a:buNone/>
-            </a:pPr>
-            <a:r>
-              <a:rPr lang="en-US" sz="2000" dirty="0">
-                <a:latin typeface="Courier"/>
-                <a:cs typeface="Courier"/>
-              </a:rPr>
-              <a:t>  -O </a:t>
-            </a:r>
-            <a:r>
-              <a:rPr lang="en-US" sz="2000" dirty="0" err="1">
-                <a:latin typeface="Courier"/>
-                <a:cs typeface="Courier"/>
-              </a:rPr>
-              <a:t>selected.snp.vcf</a:t>
-            </a:r>
-            <a:r>
-              <a:rPr lang="en-US" sz="2000" dirty="0">
-                <a:latin typeface="Courier"/>
-                <a:cs typeface="Courier"/>
-              </a:rPr>
-              <a:t> &amp;&gt;</a:t>
-            </a:r>
-            <a:r>
-              <a:rPr lang="en-US" sz="2000" dirty="0" err="1">
-                <a:latin typeface="Courier"/>
-                <a:cs typeface="Courier"/>
-              </a:rPr>
-              <a:t>selected.log</a:t>
-            </a:r>
-            <a:endParaRPr lang="en-US" sz="2000" dirty="0">
-              <a:latin typeface="Courier"/>
-              <a:cs typeface="Courier"/>
-            </a:endParaRPr>
+              <a:t> &amp;&gt;var2table.log</a:t>
+            </a:r>
           </a:p>
         </p:txBody>
       </p:sp>
@@ -5015,8 +5070,8 @@
         </p:nvSpPr>
         <p:spPr>
           <a:xfrm>
-            <a:off x="356274" y="4934827"/>
-            <a:ext cx="8330526" cy="923330"/>
+            <a:off x="150143" y="5065173"/>
+            <a:ext cx="8828945" cy="923330"/>
           </a:xfrm>
           <a:prstGeom prst="rect">
             <a:avLst/>
@@ -5030,61 +5085,30 @@
           <a:lstStyle/>
           <a:p>
             <a:r>
-              <a:rPr lang="en-US" b="1" dirty="0">
-                <a:solidFill>
-                  <a:srgbClr val="4F6228"/>
-                </a:solidFill>
-              </a:rPr>
-              <a:t>INFO</a:t>
-            </a:r>
-            <a:r>
               <a:rPr lang="en-US" dirty="0"/>
-              <a:t>:</a:t>
+              <a:t># Input: VCF</a:t>
             </a:r>
           </a:p>
           <a:p>
             <a:r>
               <a:rPr lang="en-US" dirty="0"/>
-              <a:t>AC=1;AF=0.500;AN=2;BaseQRankSum=1.125;DP=39;FS=16.048;MLEAC=1;MLEAF=0.500;MQ=60.00;MQRankSum=0.000;QD=29.53;ReadPosRankSum=-0.506;SOR=1.023</a:t>
-            </a:r>
-          </a:p>
-        </p:txBody>
-      </p:sp>
-      <p:sp>
-        <p:nvSpPr>
-          <p:cNvPr id="6" name="TextBox 5"/>
-          <p:cNvSpPr txBox="1"/>
-          <p:nvPr/>
-        </p:nvSpPr>
-        <p:spPr>
-          <a:xfrm>
-            <a:off x="760698" y="5939926"/>
-            <a:ext cx="5299047" cy="369332"/>
-          </a:xfrm>
-          <a:prstGeom prst="rect">
-            <a:avLst/>
-          </a:prstGeom>
-          <a:noFill/>
-        </p:spPr>
-        <p:txBody>
-          <a:bodyPr wrap="none" rtlCol="0">
-            <a:spAutoFit/>
-          </a:bodyPr>
-          <a:lstStyle/>
+              <a:t># Output: a table format</a:t>
+            </a:r>
+          </a:p>
           <a:p>
             <a:r>
               <a:rPr lang="en-US" dirty="0"/>
-              <a:t>for example: QD: Variant Confidence/Quality by Depth</a:t>
-            </a:r>
-          </a:p>
-        </p:txBody>
-      </p:sp>
-      <p:sp>
-        <p:nvSpPr>
-          <p:cNvPr id="7" name="TextBox 6">
+              <a:t># Fields: CHROM	POS	REF	ALT	DH10B.GT	MG1655.GT</a:t>
+            </a:r>
+          </a:p>
+        </p:txBody>
+      </p:sp>
+      <p:sp>
+        <p:nvSpPr>
+          <p:cNvPr id="6" name="TextBox 5">
             <a:extLst>
               <a:ext uri="{FF2B5EF4-FFF2-40B4-BE49-F238E27FC236}">
-                <a16:creationId xmlns:a16="http://schemas.microsoft.com/office/drawing/2014/main" id="{9203DCEE-15A7-2C42-BC2F-BC1E0A2F872A}"/>
+                <a16:creationId xmlns:a16="http://schemas.microsoft.com/office/drawing/2014/main" id="{248394FA-A2AA-6B46-99A1-E7A4DC44BB24}"/>
               </a:ext>
             </a:extLst>
           </p:cNvPr>
@@ -5093,7 +5117,7 @@
         </p:nvSpPr>
         <p:spPr>
           <a:xfrm>
-            <a:off x="212360" y="1011728"/>
+            <a:off x="150143" y="1124273"/>
             <a:ext cx="3982806" cy="523220"/>
           </a:xfrm>
           <a:prstGeom prst="rect">
@@ -5121,7 +5145,7 @@
     </p:spTree>
     <p:extLst>
       <p:ext uri="{BB962C8B-B14F-4D97-AF65-F5344CB8AC3E}">
-        <p14:creationId xmlns:p14="http://schemas.microsoft.com/office/powerpoint/2010/main" val="1015194485"/>
+        <p14:creationId xmlns:p14="http://schemas.microsoft.com/office/powerpoint/2010/main" val="3980359104"/>
       </p:ext>
     </p:extLst>
   </p:cSld>
@@ -5158,291 +5182,6 @@
             <p:ph type="title"/>
           </p:nvPr>
         </p:nvSpPr>
-        <p:spPr/>
-        <p:txBody>
-          <a:bodyPr>
-            <a:normAutofit/>
-          </a:bodyPr>
-          <a:lstStyle/>
-          <a:p>
-            <a:r>
-              <a:rPr lang="en-US" sz="3200" dirty="0"/>
-              <a:t>VCF to table</a:t>
-            </a:r>
-          </a:p>
-        </p:txBody>
-      </p:sp>
-      <p:sp>
-        <p:nvSpPr>
-          <p:cNvPr id="3" name="Content Placeholder 2"/>
-          <p:cNvSpPr>
-            <a:spLocks noGrp="1"/>
-          </p:cNvSpPr>
-          <p:nvPr>
-            <p:ph idx="1"/>
-          </p:nvPr>
-        </p:nvSpPr>
-        <p:spPr>
-          <a:xfrm>
-            <a:off x="382001" y="2031049"/>
-            <a:ext cx="8521888" cy="2790231"/>
-          </a:xfrm>
-        </p:spPr>
-        <p:txBody>
-          <a:bodyPr>
-            <a:noAutofit/>
-          </a:bodyPr>
-          <a:lstStyle/>
-          <a:p>
-            <a:pPr marL="0" indent="0">
-              <a:buNone/>
-            </a:pPr>
-            <a:r>
-              <a:rPr lang="en-US" dirty="0">
-                <a:latin typeface="Courier"/>
-                <a:cs typeface="Courier"/>
-              </a:rPr>
-              <a:t>$</a:t>
-            </a:r>
-            <a:r>
-              <a:rPr lang="en-US" dirty="0" err="1">
-                <a:latin typeface="Courier"/>
-                <a:cs typeface="Courier"/>
-              </a:rPr>
-              <a:t>gatk</a:t>
-            </a:r>
-            <a:r>
-              <a:rPr lang="en-US" dirty="0">
-                <a:latin typeface="Courier"/>
-                <a:cs typeface="Courier"/>
-              </a:rPr>
-              <a:t> </a:t>
-            </a:r>
-            <a:r>
-              <a:rPr lang="en-US" dirty="0" err="1">
-                <a:latin typeface="Courier"/>
-                <a:cs typeface="Courier"/>
-              </a:rPr>
-              <a:t>VariantsToTable</a:t>
-            </a:r>
-            <a:r>
-              <a:rPr lang="en-US" dirty="0">
-                <a:latin typeface="Courier"/>
-                <a:cs typeface="Courier"/>
-              </a:rPr>
-              <a:t> \</a:t>
-            </a:r>
-          </a:p>
-          <a:p>
-            <a:pPr marL="0" indent="0">
-              <a:buNone/>
-            </a:pPr>
-            <a:r>
-              <a:rPr lang="en-US" dirty="0">
-                <a:latin typeface="Courier"/>
-                <a:cs typeface="Courier"/>
-              </a:rPr>
-              <a:t>  -V </a:t>
-            </a:r>
-            <a:r>
-              <a:rPr lang="en-US" dirty="0" err="1">
-                <a:latin typeface="Courier"/>
-                <a:cs typeface="Courier"/>
-              </a:rPr>
-              <a:t>selected.snp.vcf</a:t>
-            </a:r>
-            <a:r>
-              <a:rPr lang="en-US" dirty="0">
-                <a:latin typeface="Courier"/>
-                <a:cs typeface="Courier"/>
-              </a:rPr>
-              <a:t> \</a:t>
-            </a:r>
-          </a:p>
-          <a:p>
-            <a:pPr marL="0" indent="0">
-              <a:buNone/>
-            </a:pPr>
-            <a:r>
-              <a:rPr lang="en-US" dirty="0">
-                <a:latin typeface="Courier"/>
-                <a:cs typeface="Courier"/>
-              </a:rPr>
-              <a:t>  -R ../references/Ecoli_k12_MG1655.fasta \</a:t>
-            </a:r>
-          </a:p>
-          <a:p>
-            <a:pPr marL="0" indent="0">
-              <a:buNone/>
-            </a:pPr>
-            <a:r>
-              <a:rPr lang="en-US" dirty="0">
-                <a:latin typeface="Courier"/>
-                <a:cs typeface="Courier"/>
-              </a:rPr>
-              <a:t>  -F CHROM -F POS -F REF -F ALT \</a:t>
-            </a:r>
-          </a:p>
-          <a:p>
-            <a:pPr marL="0" indent="0">
-              <a:buNone/>
-            </a:pPr>
-            <a:r>
-              <a:rPr lang="en-US" dirty="0">
-                <a:latin typeface="Courier"/>
-                <a:cs typeface="Courier"/>
-              </a:rPr>
-              <a:t>  --genotype-fields "GT" \</a:t>
-            </a:r>
-          </a:p>
-          <a:p>
-            <a:pPr marL="0" indent="0">
-              <a:buNone/>
-            </a:pPr>
-            <a:r>
-              <a:rPr lang="en-US" dirty="0">
-                <a:latin typeface="Courier"/>
-                <a:cs typeface="Courier"/>
-              </a:rPr>
-              <a:t>  -O </a:t>
-            </a:r>
-            <a:r>
-              <a:rPr lang="en-US" dirty="0" err="1">
-                <a:latin typeface="Courier"/>
-                <a:cs typeface="Courier"/>
-              </a:rPr>
-              <a:t>selected.snp.txt</a:t>
-            </a:r>
-            <a:r>
-              <a:rPr lang="en-US" dirty="0">
-                <a:latin typeface="Courier"/>
-                <a:cs typeface="Courier"/>
-              </a:rPr>
-              <a:t> &amp;&gt;var2table.log</a:t>
-            </a:r>
-          </a:p>
-        </p:txBody>
-      </p:sp>
-      <p:sp>
-        <p:nvSpPr>
-          <p:cNvPr id="5" name="TextBox 4"/>
-          <p:cNvSpPr txBox="1"/>
-          <p:nvPr/>
-        </p:nvSpPr>
-        <p:spPr>
-          <a:xfrm>
-            <a:off x="150143" y="5065173"/>
-            <a:ext cx="8828945" cy="923330"/>
-          </a:xfrm>
-          <a:prstGeom prst="rect">
-            <a:avLst/>
-          </a:prstGeom>
-          <a:noFill/>
-        </p:spPr>
-        <p:txBody>
-          <a:bodyPr wrap="square" rtlCol="0">
-            <a:spAutoFit/>
-          </a:bodyPr>
-          <a:lstStyle/>
-          <a:p>
-            <a:r>
-              <a:rPr lang="en-US" dirty="0"/>
-              <a:t># Input: VCF</a:t>
-            </a:r>
-          </a:p>
-          <a:p>
-            <a:r>
-              <a:rPr lang="en-US" dirty="0"/>
-              <a:t># Output: a table format</a:t>
-            </a:r>
-          </a:p>
-          <a:p>
-            <a:r>
-              <a:rPr lang="en-US" dirty="0"/>
-              <a:t># Fields: CHROM	POS	REF	ALT	DH10B.GT	MG1655.GT</a:t>
-            </a:r>
-          </a:p>
-        </p:txBody>
-      </p:sp>
-      <p:sp>
-        <p:nvSpPr>
-          <p:cNvPr id="6" name="TextBox 5">
-            <a:extLst>
-              <a:ext uri="{FF2B5EF4-FFF2-40B4-BE49-F238E27FC236}">
-                <a16:creationId xmlns:a16="http://schemas.microsoft.com/office/drawing/2014/main" id="{248394FA-A2AA-6B46-99A1-E7A4DC44BB24}"/>
-              </a:ext>
-            </a:extLst>
-          </p:cNvPr>
-          <p:cNvSpPr txBox="1"/>
-          <p:nvPr/>
-        </p:nvSpPr>
-        <p:spPr>
-          <a:xfrm>
-            <a:off x="150143" y="1124273"/>
-            <a:ext cx="3982806" cy="523220"/>
-          </a:xfrm>
-          <a:prstGeom prst="rect">
-            <a:avLst/>
-          </a:prstGeom>
-          <a:noFill/>
-        </p:spPr>
-        <p:txBody>
-          <a:bodyPr wrap="none" rtlCol="0">
-            <a:spAutoFit/>
-          </a:bodyPr>
-          <a:lstStyle/>
-          <a:p>
-            <a:r>
-              <a:rPr lang="en-US" sz="2800" dirty="0">
-                <a:solidFill>
-                  <a:srgbClr val="FF0000"/>
-                </a:solidFill>
-              </a:rPr>
-              <a:t>In the directory of "GATK"</a:t>
-            </a:r>
-          </a:p>
-        </p:txBody>
-      </p:sp>
-    </p:spTree>
-    <p:extLst>
-      <p:ext uri="{BB962C8B-B14F-4D97-AF65-F5344CB8AC3E}">
-        <p14:creationId xmlns:p14="http://schemas.microsoft.com/office/powerpoint/2010/main" val="3980359104"/>
-      </p:ext>
-    </p:extLst>
-  </p:cSld>
-  <p:clrMapOvr>
-    <a:masterClrMapping/>
-  </p:clrMapOvr>
-</p:sld>
-</file>
-
-<file path=ppt/slides/slide14.xml><?xml version="1.0" encoding="utf-8"?>
-<p:sld xmlns:a="http://schemas.openxmlformats.org/drawingml/2006/main" xmlns:r="http://schemas.openxmlformats.org/officeDocument/2006/relationships" xmlns:p="http://schemas.openxmlformats.org/presentationml/2006/main">
-  <p:cSld>
-    <p:spTree>
-      <p:nvGrpSpPr>
-        <p:cNvPr id="1" name=""/>
-        <p:cNvGrpSpPr/>
-        <p:nvPr/>
-      </p:nvGrpSpPr>
-      <p:grpSpPr>
-        <a:xfrm>
-          <a:off x="0" y="0"/>
-          <a:ext cx="0" cy="0"/>
-          <a:chOff x="0" y="0"/>
-          <a:chExt cx="0" cy="0"/>
-        </a:xfrm>
-      </p:grpSpPr>
-      <p:sp>
-        <p:nvSpPr>
-          <p:cNvPr id="2" name="Title 1"/>
-          <p:cNvSpPr>
-            <a:spLocks noGrp="1"/>
-          </p:cNvSpPr>
-          <p:nvPr>
-            <p:ph type="title"/>
-          </p:nvPr>
-        </p:nvSpPr>
         <p:spPr>
           <a:xfrm>
             <a:off x="457200" y="274638"/>
@@ -5557,11 +5296,11 @@
             </a:pPr>
             <a:r>
               <a:rPr lang="en-US" sz="2800" dirty="0" err="1"/>
-              <a:t>Cyberduck</a:t>
+              <a:t>Ondemand</a:t>
             </a:r>
             <a:r>
               <a:rPr lang="en-US" sz="2800" dirty="0"/>
-              <a:t> or other tools for data transferring</a:t>
+              <a:t> for data transferring</a:t>
             </a:r>
           </a:p>
           <a:p>
@@ -5628,7 +5367,7 @@
 </p:sld>
 </file>
 
-<file path=ppt/slides/slide15.xml><?xml version="1.0" encoding="utf-8"?>
+<file path=ppt/slides/slide14.xml><?xml version="1.0" encoding="utf-8"?>
 <p:sld xmlns:a="http://schemas.openxmlformats.org/drawingml/2006/main" xmlns:r="http://schemas.openxmlformats.org/officeDocument/2006/relationships" xmlns:p="http://schemas.openxmlformats.org/presentationml/2006/main">
   <p:cSld>
     <p:spTree>
@@ -5751,7 +5490,7 @@
 </p:sld>
 </file>
 
-<file path=ppt/slides/slide16.xml><?xml version="1.0" encoding="utf-8"?>
+<file path=ppt/slides/slide15.xml><?xml version="1.0" encoding="utf-8"?>
 <p:sld xmlns:a="http://schemas.openxmlformats.org/drawingml/2006/main" xmlns:r="http://schemas.openxmlformats.org/officeDocument/2006/relationships" xmlns:p="http://schemas.openxmlformats.org/presentationml/2006/main">
   <p:cSld>
     <p:spTree>
@@ -6139,7 +5878,7 @@
           <a:p>
             <a:r>
               <a:rPr lang="en-US" sz="3200" dirty="0"/>
-              <a:t>directories</a:t>
+              <a:t>Data downloading</a:t>
             </a:r>
           </a:p>
         </p:txBody>
@@ -6174,23 +5913,23 @@
             </a:pPr>
             <a:r>
               <a:rPr lang="fr-FR" sz="2800" dirty="0"/>
-              <a:t># </a:t>
+              <a:t># go to </a:t>
             </a:r>
             <a:r>
               <a:rPr lang="fr-FR" sz="2800" dirty="0" err="1"/>
-              <a:t>create</a:t>
+              <a:t>your</a:t>
             </a:r>
             <a:r>
               <a:rPr lang="fr-FR" sz="2800" dirty="0"/>
-              <a:t> a new directory for </a:t>
+              <a:t> </a:t>
             </a:r>
             <a:r>
               <a:rPr lang="fr-FR" sz="2800" dirty="0" err="1"/>
-              <a:t>today's</a:t>
+              <a:t>lab</a:t>
             </a:r>
             <a:r>
               <a:rPr lang="fr-FR" sz="2800" dirty="0"/>
-              <a:t> practice</a:t>
+              <a:t> directory</a:t>
             </a:r>
           </a:p>
           <a:p>
@@ -6201,29 +5940,11 @@
               <a:buNone/>
             </a:pPr>
             <a:r>
-              <a:rPr lang="fr-FR" sz="2800" dirty="0" err="1">
-                <a:latin typeface="Courier"/>
-                <a:cs typeface="Courier"/>
-              </a:rPr>
-              <a:t>mkdir</a:t>
-            </a:r>
-            <a:r>
-              <a:rPr lang="fr-FR" sz="2800" dirty="0">
-                <a:latin typeface="Courier"/>
-                <a:cs typeface="Courier"/>
-              </a:rPr>
-              <a:t> </a:t>
-            </a:r>
-            <a:r>
               <a:rPr lang="en-US" sz="2800" dirty="0">
                 <a:latin typeface="Courier"/>
                 <a:cs typeface="Courier"/>
               </a:rPr>
-              <a:t>l</a:t>
-            </a:r>
-            <a:r>
-              <a:rPr lang="en-US" sz="2800" dirty="0"/>
-              <a:t>ab06_variants</a:t>
+              <a:t>cd xxx (e.g., labs)</a:t>
             </a:r>
           </a:p>
           <a:p>
@@ -6234,27 +5955,12 @@
               <a:buNone/>
             </a:pPr>
             <a:r>
-              <a:rPr lang="fr-FR" sz="2800" dirty="0">
-                <a:latin typeface="Courier"/>
-                <a:cs typeface="Courier"/>
-              </a:rPr>
-              <a:t>cd </a:t>
-            </a:r>
-            <a:r>
               <a:rPr lang="en-US" sz="2800" dirty="0">
                 <a:latin typeface="Courier"/>
                 <a:cs typeface="Courier"/>
               </a:rPr>
-              <a:t>l</a:t>
-            </a:r>
-            <a:r>
-              <a:rPr lang="en-US" sz="2800" dirty="0"/>
-              <a:t>ab06_variants</a:t>
-            </a:r>
-            <a:endParaRPr lang="fr-FR" sz="2800" dirty="0">
-              <a:latin typeface="Courier"/>
-              <a:cs typeface="Courier"/>
-            </a:endParaRPr>
+              <a:t># download today’s lab data</a:t>
+            </a:r>
           </a:p>
           <a:p>
             <a:pPr marL="0" indent="0">
@@ -6268,14 +5974,35 @@
                 <a:latin typeface="Courier"/>
                 <a:cs typeface="Courier"/>
               </a:rPr>
-              <a:t>mkdir</a:t>
+              <a:t>wget</a:t>
             </a:r>
             <a:r>
               <a:rPr lang="en-US" sz="2800" dirty="0">
                 <a:latin typeface="Courier"/>
                 <a:cs typeface="Courier"/>
               </a:rPr>
-              <a:t> GATK</a:t>
+              <a:t> </a:t>
+            </a:r>
+            <a:r>
+              <a:rPr lang="en-US" sz="1200" dirty="0">
+                <a:latin typeface="Courier"/>
+                <a:cs typeface="Courier"/>
+              </a:rPr>
+              <a:t>https://</a:t>
+            </a:r>
+            <a:r>
+              <a:rPr lang="en-US" sz="1200" dirty="0" err="1">
+                <a:latin typeface="Courier"/>
+                <a:cs typeface="Courier"/>
+              </a:rPr>
+              <a:t>people.beocat.ksu.edu</a:t>
+            </a:r>
+            <a:r>
+              <a:rPr lang="en-US" sz="1200" dirty="0">
+                <a:latin typeface="Courier"/>
+                <a:cs typeface="Courier"/>
+              </a:rPr>
+              <a:t>/~liu3zhen/PLPTH813/labs/lab06.tar</a:t>
             </a:r>
           </a:p>
           <a:p>
@@ -6286,18 +6013,11 @@
               <a:buNone/>
             </a:pPr>
             <a:r>
-              <a:rPr lang="en-US" sz="2800" dirty="0" err="1">
-                <a:latin typeface="Courier"/>
-                <a:cs typeface="Courier"/>
-              </a:rPr>
-              <a:t>mkdir</a:t>
-            </a:r>
-            <a:r>
               <a:rPr lang="en-US" sz="2800" dirty="0">
                 <a:latin typeface="Courier"/>
                 <a:cs typeface="Courier"/>
               </a:rPr>
-              <a:t> references</a:t>
+              <a:t># a tar file will be downloaded</a:t>
             </a:r>
           </a:p>
           <a:p>
@@ -6308,18 +6028,11 @@
               <a:buNone/>
             </a:pPr>
             <a:r>
-              <a:rPr lang="en-US" sz="2800" dirty="0" err="1">
-                <a:latin typeface="Courier"/>
-                <a:cs typeface="Courier"/>
-              </a:rPr>
-              <a:t>mkdir</a:t>
-            </a:r>
-            <a:r>
               <a:rPr lang="en-US" sz="2800" dirty="0">
                 <a:latin typeface="Courier"/>
                 <a:cs typeface="Courier"/>
               </a:rPr>
-              <a:t> data</a:t>
+              <a:t># unfold the file</a:t>
             </a:r>
           </a:p>
           <a:p>
@@ -6331,48 +6044,25 @@
             </a:pPr>
             <a:r>
               <a:rPr lang="en-US" sz="2800" dirty="0">
-                <a:solidFill>
-                  <a:srgbClr val="FF0000"/>
-                </a:solidFill>
                 <a:latin typeface="Courier"/>
                 <a:cs typeface="Courier"/>
               </a:rPr>
-              <a:t>or</a:t>
-            </a:r>
-          </a:p>
-          <a:p>
-            <a:pPr marL="0" indent="0">
-              <a:lnSpc>
-                <a:spcPct val="120000"/>
-              </a:lnSpc>
-              <a:buNone/>
-            </a:pPr>
+              <a:t>tar -</a:t>
+            </a:r>
             <a:r>
               <a:rPr lang="en-US" sz="2800" dirty="0" err="1">
                 <a:latin typeface="Courier"/>
                 <a:cs typeface="Courier"/>
               </a:rPr>
-              <a:t>mkdir</a:t>
+              <a:t>xf</a:t>
             </a:r>
             <a:r>
               <a:rPr lang="en-US" sz="2800" dirty="0">
                 <a:latin typeface="Courier"/>
                 <a:cs typeface="Courier"/>
               </a:rPr>
-              <a:t> GATK references data</a:t>
-            </a:r>
-          </a:p>
-          <a:p>
-            <a:pPr marL="0" indent="0">
-              <a:lnSpc>
-                <a:spcPct val="120000"/>
-              </a:lnSpc>
-              <a:buNone/>
-            </a:pPr>
-            <a:endParaRPr lang="en-US" sz="2800" dirty="0">
-              <a:latin typeface="Courier"/>
-              <a:cs typeface="Courier"/>
-            </a:endParaRPr>
+              <a:t> lab06.tar</a:t>
+            </a:r>
           </a:p>
           <a:p>
             <a:pPr marL="0" indent="0">
@@ -6435,7 +6125,7 @@
           <a:p>
             <a:r>
               <a:rPr lang="en-US" dirty="0"/>
-              <a:t>Make links to data</a:t>
+              <a:t>Data</a:t>
             </a:r>
           </a:p>
         </p:txBody>
@@ -6453,7 +6143,7 @@
         <p:spPr>
           <a:xfrm>
             <a:off x="488952" y="971021"/>
-            <a:ext cx="8175625" cy="5491868"/>
+            <a:ext cx="8175625" cy="5043203"/>
           </a:xfrm>
         </p:spPr>
         <p:txBody>
@@ -6488,7 +6178,7 @@
               <a:rPr lang="fr-FR" dirty="0" err="1"/>
               <a:t>reference</a:t>
             </a:r>
-            <a:endParaRPr lang="en-US" sz="1800" dirty="0">
+            <a:endParaRPr lang="en-US" dirty="0">
               <a:latin typeface="Courier"/>
               <a:cs typeface="Courier"/>
             </a:endParaRPr>
@@ -6501,11 +6191,11 @@
               <a:buNone/>
             </a:pPr>
             <a:r>
-              <a:rPr lang="en-US" sz="1800" dirty="0">
+              <a:rPr lang="en-US" dirty="0">
                 <a:latin typeface="Courier"/>
                 <a:cs typeface="Courier"/>
               </a:rPr>
-              <a:t>cd references</a:t>
+              <a:t>./references</a:t>
             </a:r>
           </a:p>
           <a:p>
@@ -6516,28 +6206,11 @@
               <a:buNone/>
             </a:pPr>
             <a:r>
-              <a:rPr lang="en-US" sz="1600" dirty="0" err="1">
+              <a:rPr lang="en-US" dirty="0">
                 <a:latin typeface="Courier"/>
                 <a:cs typeface="Courier"/>
               </a:rPr>
-              <a:t>ln</a:t>
-            </a:r>
-            <a:r>
-              <a:rPr lang="en-US" sz="1600" dirty="0">
-                <a:latin typeface="Courier"/>
-                <a:cs typeface="Courier"/>
-              </a:rPr>
-              <a:t> -s /homes/liu3zhen/teaching/datasets/variants/references/* </a:t>
-            </a:r>
-            <a:r>
-              <a:rPr lang="en-US" sz="1600" b="1" dirty="0">
-                <a:solidFill>
-                  <a:srgbClr val="FF0000"/>
-                </a:solidFill>
-                <a:latin typeface="Courier"/>
-                <a:cs typeface="Courier"/>
-              </a:rPr>
-              <a:t>.</a:t>
+              <a:t>Ecoli_k12_MG1655.fasta</a:t>
             </a:r>
           </a:p>
           <a:p>
@@ -6547,13 +6220,10 @@
               </a:lnSpc>
               <a:buNone/>
             </a:pPr>
-            <a:r>
-              <a:rPr lang="en-US" sz="1800" dirty="0">
-                <a:latin typeface="Courier"/>
-                <a:cs typeface="Courier"/>
-              </a:rPr>
-              <a:t>cd ..</a:t>
-            </a:r>
+            <a:endParaRPr lang="en-US" dirty="0">
+              <a:latin typeface="Courier"/>
+              <a:cs typeface="Courier"/>
+            </a:endParaRPr>
           </a:p>
           <a:p>
             <a:pPr marL="0" indent="0">
@@ -6562,10 +6232,21 @@
               </a:lnSpc>
               <a:buNone/>
             </a:pPr>
-            <a:endParaRPr lang="en-US" sz="1800" dirty="0">
-              <a:latin typeface="Courier"/>
-              <a:cs typeface="Courier"/>
-            </a:endParaRPr>
+            <a:r>
+              <a:rPr lang="en-US" dirty="0">
+                <a:solidFill>
+                  <a:prstClr val="black"/>
+                </a:solidFill>
+              </a:rPr>
+              <a:t># Alignment data</a:t>
+            </a:r>
+            <a:r>
+              <a:rPr lang="en-US" dirty="0">
+                <a:latin typeface="Courier"/>
+                <a:cs typeface="Courier"/>
+              </a:rPr>
+              <a:t>:</a:t>
+            </a:r>
           </a:p>
           <a:p>
             <a:pPr marL="0" indent="0">
@@ -6576,108 +6257,28 @@
             </a:pPr>
             <a:r>
               <a:rPr lang="en-US" dirty="0">
-                <a:solidFill>
-                  <a:prstClr val="black"/>
-                </a:solidFill>
-              </a:rPr>
-              <a:t># Alignment data</a:t>
-            </a:r>
-            <a:r>
-              <a:rPr lang="en-US" sz="1800" dirty="0">
-                <a:latin typeface="Courier"/>
-                <a:cs typeface="Courier"/>
-              </a:rPr>
-              <a:t>:</a:t>
+                <a:latin typeface="Courier New" panose="02070309020205020404" pitchFamily="49" charset="0"/>
+                <a:cs typeface="Courier New" panose="02070309020205020404" pitchFamily="49" charset="0"/>
+              </a:rPr>
+              <a:t>./data</a:t>
             </a:r>
           </a:p>
           <a:p>
             <a:pPr marL="0" indent="0">
-              <a:lnSpc>
-                <a:spcPct val="120000"/>
-              </a:lnSpc>
               <a:buNone/>
             </a:pPr>
             <a:r>
-              <a:rPr lang="en-US" sz="1800" dirty="0">
-                <a:latin typeface="Courier"/>
-                <a:cs typeface="Courier"/>
-              </a:rPr>
-              <a:t>cd data</a:t>
-            </a:r>
-          </a:p>
-          <a:p>
-            <a:pPr marL="0" indent="0">
-              <a:lnSpc>
-                <a:spcPct val="120000"/>
-              </a:lnSpc>
-              <a:buNone/>
-            </a:pPr>
-            <a:r>
-              <a:rPr lang="en-US" sz="1800" dirty="0" err="1">
-                <a:latin typeface="Courier"/>
-                <a:cs typeface="Courier"/>
-              </a:rPr>
-              <a:t>ln</a:t>
-            </a:r>
-            <a:r>
-              <a:rPr lang="en-US" sz="1800" dirty="0">
-                <a:latin typeface="Courier"/>
-                <a:cs typeface="Courier"/>
-              </a:rPr>
-              <a:t> -s /homes/liu3zhen/teaching/datasets/variants/data/* </a:t>
-            </a:r>
-            <a:r>
-              <a:rPr lang="en-US" sz="1800" b="1" dirty="0">
-                <a:solidFill>
-                  <a:srgbClr val="FF0000"/>
-                </a:solidFill>
-                <a:latin typeface="Courier"/>
-                <a:cs typeface="Courier"/>
-              </a:rPr>
-              <a:t>.</a:t>
-            </a:r>
-          </a:p>
-          <a:p>
-            <a:pPr marL="0" indent="0">
-              <a:lnSpc>
-                <a:spcPct val="120000"/>
-              </a:lnSpc>
-              <a:buNone/>
-            </a:pPr>
-            <a:r>
-              <a:rPr lang="en-US" sz="1800" dirty="0">
-                <a:latin typeface="Courier"/>
-                <a:cs typeface="Courier"/>
-              </a:rPr>
-              <a:t>cd ..</a:t>
-            </a:r>
-          </a:p>
-          <a:p>
-            <a:pPr marL="0" indent="0">
-              <a:lnSpc>
-                <a:spcPct val="120000"/>
-              </a:lnSpc>
-              <a:buNone/>
-            </a:pPr>
-            <a:endParaRPr lang="en-US" sz="1800" dirty="0">
-              <a:latin typeface="Courier"/>
-              <a:cs typeface="Courier"/>
-            </a:endParaRPr>
-          </a:p>
-          <a:p>
-            <a:pPr marL="0" indent="0">
-              <a:buNone/>
-            </a:pPr>
-            <a:r>
-              <a:rPr lang="en-US" sz="1800" dirty="0">
+              <a:rPr lang="en-US" dirty="0">
                 <a:solidFill>
                   <a:schemeClr val="tx1">
                     <a:lumMod val="65000"/>
                     <a:lumOff val="35000"/>
                   </a:schemeClr>
                 </a:solidFill>
-              </a:rPr>
-              <a:t># DH10B.parse.bam</a:t>
+                <a:latin typeface="Courier New" panose="02070309020205020404" pitchFamily="49" charset="0"/>
+                <a:cs typeface="Courier New" panose="02070309020205020404" pitchFamily="49" charset="0"/>
+              </a:rPr>
+              <a:t>DH10B.parse.bam</a:t>
             </a:r>
           </a:p>
           <a:p>
@@ -6685,15 +6286,17 @@
               <a:buNone/>
             </a:pPr>
             <a:r>
-              <a:rPr lang="en-US" sz="1800" dirty="0">
+              <a:rPr lang="en-US" dirty="0">
                 <a:solidFill>
                   <a:schemeClr val="tx1">
                     <a:lumMod val="65000"/>
                     <a:lumOff val="35000"/>
                   </a:schemeClr>
                 </a:solidFill>
-              </a:rPr>
-              <a:t># DH10B.parse.bam.bai</a:t>
+                <a:latin typeface="Courier New" panose="02070309020205020404" pitchFamily="49" charset="0"/>
+                <a:cs typeface="Courier New" panose="02070309020205020404" pitchFamily="49" charset="0"/>
+              </a:rPr>
+              <a:t>DH10B.parse.bam.bai</a:t>
             </a:r>
           </a:p>
           <a:p>
@@ -6701,15 +6304,17 @@
               <a:buNone/>
             </a:pPr>
             <a:r>
-              <a:rPr lang="en-US" sz="1800" dirty="0">
+              <a:rPr lang="en-US" dirty="0">
                 <a:solidFill>
                   <a:schemeClr val="tx1">
                     <a:lumMod val="65000"/>
                     <a:lumOff val="35000"/>
                   </a:schemeClr>
                 </a:solidFill>
-              </a:rPr>
-              <a:t># MG1655.parse.bam</a:t>
+                <a:latin typeface="Courier New" panose="02070309020205020404" pitchFamily="49" charset="0"/>
+                <a:cs typeface="Courier New" panose="02070309020205020404" pitchFamily="49" charset="0"/>
+              </a:rPr>
+              <a:t>MG1655.parse.bam</a:t>
             </a:r>
           </a:p>
           <a:p>
@@ -6717,32 +6322,24 @@
               <a:buNone/>
             </a:pPr>
             <a:r>
-              <a:rPr lang="en-US" sz="1800" dirty="0">
+              <a:rPr lang="en-US" dirty="0">
                 <a:solidFill>
                   <a:schemeClr val="tx1">
                     <a:lumMod val="65000"/>
                     <a:lumOff val="35000"/>
                   </a:schemeClr>
                 </a:solidFill>
-              </a:rPr>
-              <a:t># MG1655.parse.bam.bai</a:t>
-            </a:r>
-            <a:endParaRPr lang="en-US" sz="1800" dirty="0">
-              <a:solidFill>
-                <a:schemeClr val="tx1">
-                  <a:lumMod val="65000"/>
-                  <a:lumOff val="35000"/>
-                </a:schemeClr>
-              </a:solidFill>
-              <a:latin typeface="Courier"/>
-              <a:cs typeface="Courier"/>
-            </a:endParaRPr>
+                <a:latin typeface="Courier New" panose="02070309020205020404" pitchFamily="49" charset="0"/>
+                <a:cs typeface="Courier New" panose="02070309020205020404" pitchFamily="49" charset="0"/>
+              </a:rPr>
+              <a:t>MG1655.parse.bam.bai</a:t>
+            </a:r>
           </a:p>
           <a:p>
             <a:pPr marL="0" indent="0">
               <a:buNone/>
             </a:pPr>
-            <a:endParaRPr lang="en-US" sz="1800" dirty="0">
+            <a:endParaRPr lang="en-US" dirty="0">
               <a:latin typeface="Courier"/>
               <a:cs typeface="Courier"/>
             </a:endParaRPr>
@@ -7872,6 +7469,18 @@
                 <a:latin typeface="Courier"/>
                 <a:cs typeface="Courier"/>
               </a:rPr>
+              <a:t>cd references</a:t>
+            </a:r>
+          </a:p>
+          <a:p>
+            <a:pPr marL="0" indent="0">
+              <a:buNone/>
+            </a:pPr>
+            <a:r>
+              <a:rPr lang="en-US" sz="2800" dirty="0">
+                <a:latin typeface="Courier"/>
+                <a:cs typeface="Courier"/>
+              </a:rPr>
               <a:t>### indexing</a:t>
             </a:r>
           </a:p>
@@ -7902,7 +7511,7 @@
             <a:pPr marL="0" indent="0">
               <a:buNone/>
             </a:pPr>
-            <a:endParaRPr lang="en-US" sz="2800" dirty="0">
+            <a:endParaRPr lang="en-US" sz="1600" dirty="0">
               <a:latin typeface="Courier"/>
               <a:cs typeface="Courier"/>
             </a:endParaRPr>
@@ -7912,44 +7521,32 @@
               <a:buNone/>
             </a:pPr>
             <a:r>
-              <a:rPr lang="en-US" sz="2800" dirty="0" err="1">
+              <a:rPr lang="en-US" sz="1600" dirty="0" err="1">
                 <a:latin typeface="Courier"/>
                 <a:cs typeface="Courier"/>
               </a:rPr>
               <a:t>samtools</a:t>
             </a:r>
             <a:r>
-              <a:rPr lang="en-US" sz="2800" dirty="0">
+              <a:rPr lang="en-US" sz="1600" dirty="0">
                 <a:latin typeface="Courier"/>
                 <a:cs typeface="Courier"/>
               </a:rPr>
               <a:t> </a:t>
             </a:r>
             <a:r>
-              <a:rPr lang="en-US" sz="2800" dirty="0" err="1">
+              <a:rPr lang="en-US" sz="1600" dirty="0" err="1">
                 <a:latin typeface="Courier"/>
                 <a:cs typeface="Courier"/>
               </a:rPr>
               <a:t>dict</a:t>
             </a:r>
             <a:r>
-              <a:rPr lang="en-US" sz="2800" dirty="0">
+              <a:rPr lang="en-US" sz="1600" dirty="0">
                 <a:latin typeface="Courier"/>
                 <a:cs typeface="Courier"/>
               </a:rPr>
-              <a:t> Ecoli_k12_MG1655.fasta \</a:t>
-            </a:r>
-          </a:p>
-          <a:p>
-            <a:pPr marL="0" indent="0">
-              <a:buNone/>
-            </a:pPr>
-            <a:r>
-              <a:rPr lang="en-US" sz="2800" dirty="0">
-                <a:latin typeface="Courier"/>
-                <a:cs typeface="Courier"/>
-              </a:rPr>
-              <a:t>	&gt; Ecoli_k12_MG1655.dict</a:t>
+              <a:t> Ecoli_k12_MG1655.fasta &gt; Ecoli_k12_MG1655.dict</a:t>
             </a:r>
           </a:p>
           <a:p>
@@ -8037,7 +7634,7 @@
         </p:nvSpPr>
         <p:spPr>
           <a:xfrm>
-            <a:off x="586178" y="5933723"/>
+            <a:off x="518542" y="6247504"/>
             <a:ext cx="2704311" cy="523220"/>
           </a:xfrm>
           <a:prstGeom prst="rect">
@@ -8110,8 +7707,12 @@
           <a:lstStyle/>
           <a:p>
             <a:r>
-              <a:rPr lang="en-US" sz="3600" dirty="0"/>
-              <a:t>GATK</a:t>
+              <a:rPr lang="en-US" sz="3200" dirty="0" err="1"/>
+              <a:t>HaplotypeCaller</a:t>
+            </a:r>
+            <a:r>
+              <a:rPr lang="en-US" sz="3200" dirty="0"/>
+              <a:t> of GATK4</a:t>
             </a:r>
           </a:p>
         </p:txBody>
@@ -8128,13 +7729,13 @@
         </p:nvSpPr>
         <p:spPr>
           <a:xfrm>
-            <a:off x="457200" y="1853189"/>
-            <a:ext cx="8229600" cy="3189074"/>
+            <a:off x="573813" y="1204379"/>
+            <a:ext cx="8426495" cy="5209484"/>
           </a:xfrm>
         </p:spPr>
         <p:txBody>
           <a:bodyPr>
-            <a:normAutofit/>
+            <a:noAutofit/>
           </a:bodyPr>
           <a:lstStyle/>
           <a:p>
@@ -8142,108 +7743,156 @@
               <a:buNone/>
             </a:pPr>
             <a:r>
-              <a:rPr lang="en-US" sz="1800" dirty="0" err="1">
-                <a:latin typeface="Courier" pitchFamily="2" charset="0"/>
-                <a:cs typeface="Courier"/>
-              </a:rPr>
-              <a:t>gatk</a:t>
-            </a:r>
-            <a:r>
-              <a:rPr lang="en-US" sz="1800" dirty="0">
-                <a:latin typeface="Courier" pitchFamily="2" charset="0"/>
-                <a:cs typeface="Courier"/>
-              </a:rPr>
-              <a:t>=</a:t>
-            </a:r>
-            <a:r>
-              <a:rPr lang="en-US" sz="1800" dirty="0">
-                <a:latin typeface="Courier" pitchFamily="2" charset="0"/>
-              </a:rPr>
-              <a:t>/homes/liu3zhen/software/GATK/gatk4/gatk-4.1.9.0/</a:t>
-            </a:r>
-            <a:r>
-              <a:rPr lang="en-US" sz="1800" dirty="0" err="1">
-                <a:latin typeface="Courier" pitchFamily="2" charset="0"/>
-              </a:rPr>
-              <a:t>gatk</a:t>
-            </a:r>
-            <a:endParaRPr lang="en-US" sz="1800" dirty="0">
-              <a:latin typeface="Courier" pitchFamily="2" charset="0"/>
-              <a:cs typeface="Courier"/>
-            </a:endParaRPr>
+              <a:rPr lang="en-US" dirty="0"/>
+              <a:t>USAGE: </a:t>
+            </a:r>
+            <a:r>
+              <a:rPr lang="en-US" dirty="0" err="1"/>
+              <a:t>HaplotypeCaller</a:t>
+            </a:r>
+            <a:r>
+              <a:rPr lang="en-US" dirty="0"/>
+              <a:t> [arguments]</a:t>
+            </a:r>
           </a:p>
           <a:p>
             <a:pPr marL="0" indent="0">
               <a:buNone/>
             </a:pPr>
-            <a:endParaRPr lang="en-US" dirty="0">
-              <a:latin typeface="Courier" pitchFamily="2" charset="0"/>
-              <a:cs typeface="Courier"/>
-            </a:endParaRPr>
+            <a:r>
+              <a:rPr lang="en-US" dirty="0"/>
+              <a:t>Call </a:t>
+            </a:r>
+            <a:r>
+              <a:rPr lang="en-US" dirty="0" err="1"/>
+              <a:t>germline</a:t>
+            </a:r>
+            <a:r>
+              <a:rPr lang="en-US" dirty="0"/>
+              <a:t> SNPs and </a:t>
+            </a:r>
+            <a:r>
+              <a:rPr lang="en-US" dirty="0" err="1"/>
+              <a:t>indels</a:t>
+            </a:r>
+            <a:r>
+              <a:rPr lang="en-US" dirty="0"/>
+              <a:t> via local re-assembly of haplotypes</a:t>
+            </a:r>
           </a:p>
           <a:p>
             <a:pPr marL="0" indent="0">
               <a:buNone/>
             </a:pPr>
-            <a:r>
-              <a:rPr lang="ro-RO" sz="3600" dirty="0">
-                <a:latin typeface="Courier"/>
-                <a:cs typeface="Courier"/>
-              </a:rPr>
-              <a:t>module </a:t>
-            </a:r>
-            <a:r>
-              <a:rPr lang="ro-RO" sz="3600" dirty="0" err="1">
-                <a:latin typeface="Courier"/>
-                <a:cs typeface="Courier"/>
-              </a:rPr>
-              <a:t>load</a:t>
-            </a:r>
-            <a:r>
-              <a:rPr lang="ro-RO" sz="3600" dirty="0">
-                <a:latin typeface="Courier"/>
-                <a:cs typeface="Courier"/>
-              </a:rPr>
-              <a:t> Java/1.8.0_192 </a:t>
-            </a:r>
+            <a:endParaRPr lang="de-DE" dirty="0"/>
           </a:p>
           <a:p>
             <a:pPr marL="0" indent="0">
               <a:buNone/>
             </a:pPr>
-            <a:endParaRPr lang="en-US" sz="3600" dirty="0">
-              <a:latin typeface="Courier" pitchFamily="2" charset="0"/>
-              <a:cs typeface="Courier"/>
-            </a:endParaRPr>
+            <a:r>
+              <a:rPr lang="de-DE" dirty="0" err="1"/>
+              <a:t>Required</a:t>
+            </a:r>
+            <a:r>
+              <a:rPr lang="de-DE" dirty="0"/>
+              <a:t> Arguments:</a:t>
+            </a:r>
           </a:p>
           <a:p>
             <a:pPr marL="0" indent="0">
               <a:buNone/>
             </a:pPr>
             <a:r>
-              <a:rPr lang="en-US" sz="3600" dirty="0">
-                <a:latin typeface="Courier" pitchFamily="2" charset="0"/>
-                <a:cs typeface="Courier"/>
-              </a:rPr>
-              <a:t>$</a:t>
-            </a:r>
-            <a:r>
-              <a:rPr lang="en-US" sz="3600" dirty="0" err="1">
-                <a:latin typeface="Courier" pitchFamily="2" charset="0"/>
-                <a:cs typeface="Courier"/>
-              </a:rPr>
-              <a:t>gatk</a:t>
-            </a:r>
-            <a:endParaRPr lang="en-US" sz="3600" dirty="0">
-              <a:latin typeface="Courier" pitchFamily="2" charset="0"/>
-            </a:endParaRPr>
+              <a:rPr lang="de-DE" dirty="0"/>
+              <a:t>-</a:t>
+            </a:r>
+            <a:r>
+              <a:rPr lang="de-DE" dirty="0" err="1"/>
+              <a:t>I:String</a:t>
+            </a:r>
+            <a:r>
+              <a:rPr lang="de-DE" dirty="0"/>
+              <a:t>	  BAM/SAM/CRAM </a:t>
+            </a:r>
+            <a:r>
+              <a:rPr lang="de-DE" dirty="0" err="1"/>
+              <a:t>file</a:t>
+            </a:r>
+            <a:r>
+              <a:rPr lang="de-DE" dirty="0"/>
+              <a:t> </a:t>
+            </a:r>
+            <a:r>
+              <a:rPr lang="de-DE" dirty="0" err="1"/>
+              <a:t>containing</a:t>
+            </a:r>
+            <a:r>
+              <a:rPr lang="de-DE" dirty="0"/>
+              <a:t> </a:t>
+            </a:r>
+            <a:r>
+              <a:rPr lang="de-DE" dirty="0" err="1"/>
+              <a:t>reads</a:t>
+            </a:r>
+            <a:r>
+              <a:rPr lang="de-DE" dirty="0"/>
+              <a:t>.</a:t>
+            </a:r>
+            <a:endParaRPr lang="en-US" dirty="0"/>
+          </a:p>
+          <a:p>
+            <a:pPr marL="0" indent="0">
+              <a:buNone/>
+            </a:pPr>
+            <a:endParaRPr lang="en-US" dirty="0"/>
+          </a:p>
+          <a:p>
+            <a:pPr marL="0" indent="0">
+              <a:buNone/>
+            </a:pPr>
+            <a:r>
+              <a:rPr lang="en-US" dirty="0"/>
+              <a:t>-</a:t>
+            </a:r>
+            <a:r>
+              <a:rPr lang="en-US" dirty="0" err="1"/>
+              <a:t>O:String</a:t>
+            </a:r>
+            <a:r>
+              <a:rPr lang="en-US" dirty="0"/>
+              <a:t>  File to which variants should be written. </a:t>
+            </a:r>
+          </a:p>
+          <a:p>
+            <a:pPr marL="0" indent="0">
+              <a:buNone/>
+            </a:pPr>
+            <a:endParaRPr lang="en-US" dirty="0"/>
+          </a:p>
+          <a:p>
+            <a:pPr marL="0" indent="0">
+              <a:buNone/>
+            </a:pPr>
+            <a:r>
+              <a:rPr lang="en-US" dirty="0"/>
+              <a:t>-</a:t>
+            </a:r>
+            <a:r>
+              <a:rPr lang="en-US" dirty="0" err="1"/>
+              <a:t>R:String</a:t>
+            </a:r>
+            <a:r>
+              <a:rPr lang="en-US" dirty="0"/>
+              <a:t>	  Reference sequence file. </a:t>
+            </a:r>
           </a:p>
         </p:txBody>
       </p:sp>
     </p:spTree>
     <p:extLst>
       <p:ext uri="{BB962C8B-B14F-4D97-AF65-F5344CB8AC3E}">
-        <p14:creationId xmlns:p14="http://schemas.microsoft.com/office/powerpoint/2010/main" val="1278055106"/>
+        <p14:creationId xmlns:p14="http://schemas.microsoft.com/office/powerpoint/2010/main" val="666912136"/>
       </p:ext>
     </p:extLst>
   </p:cSld>

--- a/PLPTH813Bioinformatis/2023/labs/lab06_variants.pptx
+++ b/PLPTH813Bioinformatis/2023/labs/lab06_variants.pptx
@@ -222,7 +222,7 @@
           <a:p>
             <a:fld id="{08E6E0A8-E17C-C949-B17E-7A1A6494483A}" type="datetimeFigureOut">
               <a:rPr lang="en-US" smtClean="0"/>
-              <a:t>3/22/23</a:t>
+              <a:t>3/23/23</a:t>
             </a:fld>
             <a:endParaRPr lang="en-US"/>
           </a:p>
@@ -1289,7 +1289,7 @@
           <a:p>
             <a:fld id="{42B8B0BE-C8D7-EB48-AD68-71DB5002F24B}" type="datetimeFigureOut">
               <a:rPr lang="en-US" smtClean="0"/>
-              <a:t>3/22/23</a:t>
+              <a:t>3/23/23</a:t>
             </a:fld>
             <a:endParaRPr lang="en-US"/>
           </a:p>
@@ -1457,7 +1457,7 @@
           <a:p>
             <a:fld id="{42B8B0BE-C8D7-EB48-AD68-71DB5002F24B}" type="datetimeFigureOut">
               <a:rPr lang="en-US" smtClean="0"/>
-              <a:t>3/22/23</a:t>
+              <a:t>3/23/23</a:t>
             </a:fld>
             <a:endParaRPr lang="en-US"/>
           </a:p>
@@ -1635,7 +1635,7 @@
           <a:p>
             <a:fld id="{42B8B0BE-C8D7-EB48-AD68-71DB5002F24B}" type="datetimeFigureOut">
               <a:rPr lang="en-US" smtClean="0"/>
-              <a:t>3/22/23</a:t>
+              <a:t>3/23/23</a:t>
             </a:fld>
             <a:endParaRPr lang="en-US"/>
           </a:p>
@@ -1803,7 +1803,7 @@
           <a:p>
             <a:fld id="{42B8B0BE-C8D7-EB48-AD68-71DB5002F24B}" type="datetimeFigureOut">
               <a:rPr lang="en-US" smtClean="0"/>
-              <a:t>3/22/23</a:t>
+              <a:t>3/23/23</a:t>
             </a:fld>
             <a:endParaRPr lang="en-US"/>
           </a:p>
@@ -2048,7 +2048,7 @@
           <a:p>
             <a:fld id="{42B8B0BE-C8D7-EB48-AD68-71DB5002F24B}" type="datetimeFigureOut">
               <a:rPr lang="en-US" smtClean="0"/>
-              <a:t>3/22/23</a:t>
+              <a:t>3/23/23</a:t>
             </a:fld>
             <a:endParaRPr lang="en-US"/>
           </a:p>
@@ -2333,7 +2333,7 @@
           <a:p>
             <a:fld id="{42B8B0BE-C8D7-EB48-AD68-71DB5002F24B}" type="datetimeFigureOut">
               <a:rPr lang="en-US" smtClean="0"/>
-              <a:t>3/22/23</a:t>
+              <a:t>3/23/23</a:t>
             </a:fld>
             <a:endParaRPr lang="en-US"/>
           </a:p>
@@ -2752,7 +2752,7 @@
           <a:p>
             <a:fld id="{42B8B0BE-C8D7-EB48-AD68-71DB5002F24B}" type="datetimeFigureOut">
               <a:rPr lang="en-US" smtClean="0"/>
-              <a:t>3/22/23</a:t>
+              <a:t>3/23/23</a:t>
             </a:fld>
             <a:endParaRPr lang="en-US"/>
           </a:p>
@@ -2869,7 +2869,7 @@
           <a:p>
             <a:fld id="{42B8B0BE-C8D7-EB48-AD68-71DB5002F24B}" type="datetimeFigureOut">
               <a:rPr lang="en-US" smtClean="0"/>
-              <a:t>3/22/23</a:t>
+              <a:t>3/23/23</a:t>
             </a:fld>
             <a:endParaRPr lang="en-US"/>
           </a:p>
@@ -2964,7 +2964,7 @@
           <a:p>
             <a:fld id="{42B8B0BE-C8D7-EB48-AD68-71DB5002F24B}" type="datetimeFigureOut">
               <a:rPr lang="en-US" smtClean="0"/>
-              <a:t>3/22/23</a:t>
+              <a:t>3/23/23</a:t>
             </a:fld>
             <a:endParaRPr lang="en-US"/>
           </a:p>
@@ -3239,7 +3239,7 @@
           <a:p>
             <a:fld id="{42B8B0BE-C8D7-EB48-AD68-71DB5002F24B}" type="datetimeFigureOut">
               <a:rPr lang="en-US" smtClean="0"/>
-              <a:t>3/22/23</a:t>
+              <a:t>3/23/23</a:t>
             </a:fld>
             <a:endParaRPr lang="en-US"/>
           </a:p>
@@ -3491,7 +3491,7 @@
           <a:p>
             <a:fld id="{42B8B0BE-C8D7-EB48-AD68-71DB5002F24B}" type="datetimeFigureOut">
               <a:rPr lang="en-US" smtClean="0"/>
-              <a:t>3/22/23</a:t>
+              <a:t>3/23/23</a:t>
             </a:fld>
             <a:endParaRPr lang="en-US"/>
           </a:p>
@@ -3702,7 +3702,7 @@
           <a:p>
             <a:fld id="{42B8B0BE-C8D7-EB48-AD68-71DB5002F24B}" type="datetimeFigureOut">
               <a:rPr lang="en-US" smtClean="0"/>
-              <a:t>3/22/23</a:t>
+              <a:t>3/23/23</a:t>
             </a:fld>
             <a:endParaRPr lang="en-US"/>
           </a:p>
@@ -6792,45 +6792,6 @@
           </a:p>
         </p:txBody>
       </p:sp>
-      <p:sp>
-        <p:nvSpPr>
-          <p:cNvPr id="4" name="TextBox 3">
-            <a:extLst>
-              <a:ext uri="{FF2B5EF4-FFF2-40B4-BE49-F238E27FC236}">
-                <a16:creationId xmlns:a16="http://schemas.microsoft.com/office/drawing/2014/main" id="{6BCF3F1D-6BD5-FA4A-9CF5-78C60160EE5B}"/>
-              </a:ext>
-            </a:extLst>
-          </p:cNvPr>
-          <p:cNvSpPr txBox="1"/>
-          <p:nvPr/>
-        </p:nvSpPr>
-        <p:spPr>
-          <a:xfrm>
-            <a:off x="40989" y="97633"/>
-            <a:ext cx="2995372" cy="461665"/>
-          </a:xfrm>
-          <a:prstGeom prst="rect">
-            <a:avLst/>
-          </a:prstGeom>
-          <a:noFill/>
-        </p:spPr>
-        <p:txBody>
-          <a:bodyPr wrap="none" rtlCol="0">
-            <a:spAutoFit/>
-          </a:bodyPr>
-          <a:lstStyle/>
-          <a:p>
-            <a:r>
-              <a:rPr lang="en-US" sz="2400" dirty="0">
-                <a:solidFill>
-                  <a:srgbClr val="FF0000"/>
-                </a:solidFill>
-              </a:rPr>
-              <a:t>DO NOT NEED TO RUN</a:t>
-            </a:r>
-          </a:p>
-        </p:txBody>
-      </p:sp>
     </p:spTree>
     <p:extLst>
       <p:ext uri="{BB962C8B-B14F-4D97-AF65-F5344CB8AC3E}">
@@ -7215,45 +7176,6 @@
             <a:r>
               <a:rPr lang="en-US" dirty="0"/>
               <a:t>PAIRED,PROPER_PAIR,REVERSE,READ2</a:t>
-            </a:r>
-          </a:p>
-        </p:txBody>
-      </p:sp>
-      <p:sp>
-        <p:nvSpPr>
-          <p:cNvPr id="8" name="TextBox 7">
-            <a:extLst>
-              <a:ext uri="{FF2B5EF4-FFF2-40B4-BE49-F238E27FC236}">
-                <a16:creationId xmlns:a16="http://schemas.microsoft.com/office/drawing/2014/main" id="{DFD2FFD3-5145-8B4C-85F7-6231EC1A5F7E}"/>
-              </a:ext>
-            </a:extLst>
-          </p:cNvPr>
-          <p:cNvSpPr txBox="1"/>
-          <p:nvPr/>
-        </p:nvSpPr>
-        <p:spPr>
-          <a:xfrm>
-            <a:off x="40989" y="97633"/>
-            <a:ext cx="2995372" cy="461665"/>
-          </a:xfrm>
-          <a:prstGeom prst="rect">
-            <a:avLst/>
-          </a:prstGeom>
-          <a:noFill/>
-        </p:spPr>
-        <p:txBody>
-          <a:bodyPr wrap="none" rtlCol="0">
-            <a:spAutoFit/>
-          </a:bodyPr>
-          <a:lstStyle/>
-          <a:p>
-            <a:r>
-              <a:rPr lang="en-US" sz="2400" dirty="0">
-                <a:solidFill>
-                  <a:srgbClr val="FF0000"/>
-                </a:solidFill>
-              </a:rPr>
-              <a:t>DO NOT NEED TO RUN</a:t>
             </a:r>
           </a:p>
         </p:txBody>
